--- a/Projeto_bootcamp_balanceado.pptx
+++ b/Projeto_bootcamp_balanceado.pptx
@@ -5,7 +5,7 @@
     <p:sldMasterId id="2147483648" r:id="rId1"/>
   </p:sldMasterIdLst>
   <p:notesMasterIdLst>
-    <p:notesMasterId r:id="rId15"/>
+    <p:notesMasterId r:id="rId16"/>
   </p:notesMasterIdLst>
   <p:sldIdLst>
     <p:sldId id="256" r:id="rId2"/>
@@ -21,14 +21,22 @@
     <p:sldId id="266" r:id="rId12"/>
     <p:sldId id="267" r:id="rId13"/>
     <p:sldId id="268" r:id="rId14"/>
+    <p:sldId id="269" r:id="rId15"/>
   </p:sldIdLst>
   <p:sldSz cx="12192000" cy="6858000"/>
   <p:notesSz cx="6858000" cy="9144000"/>
   <p:embeddedFontLst>
     <p:embeddedFont>
+      <p:font typeface="Aptos Narrow" panose="020B0004020202020204" pitchFamily="34" charset="0"/>
+      <p:regular r:id="rId17"/>
+      <p:bold r:id="rId18"/>
+      <p:italic r:id="rId19"/>
+      <p:boldItalic r:id="rId20"/>
+    </p:embeddedFont>
+    <p:embeddedFont>
       <p:font typeface="Play" panose="020B0604020202020204" charset="0"/>
-      <p:regular r:id="rId16"/>
-      <p:bold r:id="rId17"/>
+      <p:regular r:id="rId21"/>
+      <p:bold r:id="rId22"/>
     </p:embeddedFont>
   </p:embeddedFontLst>
   <p:defaultTextStyle>
@@ -261,8 +269,11 @@
     </a:lvl9pPr>
   </p:defaultTextStyle>
   <p:extLst>
+    <p:ext uri="{EFAFB233-063F-42B5-8137-9DF3F51BA10A}">
+      <p15:sldGuideLst xmlns:p15="http://schemas.microsoft.com/office/powerpoint/2012/main"/>
+    </p:ext>
     <p:ext uri="GoogleSlidesCustomDataVersion2">
-      <go:slidesCustomData xmlns:go="http://customooxmlschemas.google.com/" xmlns:ahyp="http://schemas.microsoft.com/office/drawing/2018/hyperlinkcolor" xmlns:p15="http://schemas.microsoft.com/office/powerpoint/2012/main" xmlns:p14="http://schemas.microsoft.com/office/powerpoint/2010/main" xmlns:com="http://schemas.openxmlformats.org/drawingml/2006/compatibility" xmlns:pvml="urn:schemas-microsoft-com:office:powerpoint" xmlns:v="urn:schemas-microsoft-com:vml" xmlns:o="urn:schemas-microsoft-com:office:office" xmlns:dgm="http://schemas.openxmlformats.org/drawingml/2006/diagram" xmlns:c="http://schemas.openxmlformats.org/drawingml/2006/chart" xmlns:mv="urn:schemas-microsoft-com:mac:vml" xmlns:mc="http://schemas.openxmlformats.org/markup-compatibility/2006" xmlns="" r:id="rId19" roundtripDataSignature="AMtx7mgQCrcvZY/PATalDKeL5epgVLfIsA=="/>
+      <go:slidesCustomData xmlns:go="http://customooxmlschemas.google.com/" xmlns:ahyp="http://schemas.microsoft.com/office/drawing/2018/hyperlinkcolor" xmlns:p15="http://schemas.microsoft.com/office/powerpoint/2012/main" xmlns:p14="http://schemas.microsoft.com/office/powerpoint/2010/main" xmlns:com="http://schemas.openxmlformats.org/drawingml/2006/compatibility" xmlns:pvml="urn:schemas-microsoft-com:office:powerpoint" xmlns:v="urn:schemas-microsoft-com:vml" xmlns:o="urn:schemas-microsoft-com:office:office" xmlns:dgm="http://schemas.openxmlformats.org/drawingml/2006/diagram" xmlns:c="http://schemas.openxmlformats.org/drawingml/2006/chart" xmlns:mv="urn:schemas-microsoft-com:mac:vml" xmlns:mc="http://schemas.openxmlformats.org/markup-compatibility/2006" xmlns="" r:id="rId23" roundtripDataSignature="AMtx7mgQCrcvZY/PATalDKeL5epgVLfIsA=="/>
     </p:ext>
   </p:extLst>
 </p:presentation>
@@ -1288,8 +1299,8 @@
         </p:nvSpPr>
         <p:spPr>
           <a:xfrm>
-            <a:off x="1143225" y="685800"/>
-            <a:ext cx="4572225" cy="3429000"/>
+            <a:off x="381000" y="685800"/>
+            <a:ext cx="6096000" cy="3429000"/>
           </a:xfrm>
           <a:custGeom>
             <a:avLst/>
@@ -2043,8 +2054,8 @@
         </p:nvSpPr>
         <p:spPr>
           <a:xfrm>
-            <a:off x="381000" y="685800"/>
-            <a:ext cx="6096000" cy="3429000"/>
+            <a:off x="1143225" y="685800"/>
+            <a:ext cx="4572225" cy="3429000"/>
           </a:xfrm>
           <a:custGeom>
             <a:avLst/>
@@ -16179,38 +16190,41 @@
               <a:buNone/>
             </a:pPr>
             <a:r>
-              <a:rPr lang="pt-BR" sz="3200" b="1"/>
+              <a:rPr lang="pt-BR" sz="3200" b="1" dirty="0"/>
               <a:t>Avaliação - features</a:t>
             </a:r>
-            <a:endParaRPr/>
+            <a:endParaRPr dirty="0"/>
           </a:p>
         </p:txBody>
       </p:sp>
       <p:pic>
         <p:nvPicPr>
-          <p:cNvPr id="243" name="Google Shape;243;p9" descr="Gráfico, Gráfico de barras&#10;&#10;Descrição gerada automaticamente"/>
-          <p:cNvPicPr preferRelativeResize="0"/>
+          <p:cNvPr id="2" name="Imagem 1">
+            <a:extLst>
+              <a:ext uri="{FF2B5EF4-FFF2-40B4-BE49-F238E27FC236}">
+                <a16:creationId xmlns:a16="http://schemas.microsoft.com/office/drawing/2014/main" id="{B9989F44-97F0-2968-F7F1-F243F40C8952}"/>
+              </a:ext>
+            </a:extLst>
+          </p:cNvPr>
+          <p:cNvPicPr>
+            <a:picLocks noChangeAspect="1"/>
+          </p:cNvPicPr>
           <p:nvPr/>
         </p:nvPicPr>
-        <p:blipFill rotWithShape="1">
-          <a:blip r:embed="rId4">
-            <a:alphaModFix/>
-          </a:blip>
-          <a:srcRect/>
-          <a:stretch/>
+        <p:blipFill>
+          <a:blip r:embed="rId4"/>
+          <a:stretch>
+            <a:fillRect/>
+          </a:stretch>
         </p:blipFill>
         <p:spPr>
           <a:xfrm>
-            <a:off x="744289" y="1427440"/>
-            <a:ext cx="10703421" cy="4670584"/>
+            <a:off x="854836" y="1400715"/>
+            <a:ext cx="10570463" cy="4604210"/>
           </a:xfrm>
           <a:prstGeom prst="rect">
             <a:avLst/>
           </a:prstGeom>
-          <a:noFill/>
-          <a:ln>
-            <a:noFill/>
-          </a:ln>
         </p:spPr>
       </p:pic>
     </p:spTree>
@@ -16740,7 +16754,7 @@
                 <a:buNone/>
               </a:pPr>
               <a:r>
-                <a:rPr lang="pt-BR" sz="1600" b="0" i="0" u="none" strike="noStrike" cap="none">
+                <a:rPr lang="pt-BR" sz="1600" b="0" i="0" u="none" strike="noStrike" cap="none" dirty="0">
                   <a:solidFill>
                     <a:schemeClr val="dk1"/>
                   </a:solidFill>
@@ -16751,7 +16765,7 @@
                 </a:rPr>
                 <a:t>Avaliar o modelo a partir de um caso concreto (povoamento)</a:t>
               </a:r>
-              <a:endParaRPr sz="1400" b="0" i="0" u="none" strike="noStrike" cap="none">
+              <a:endParaRPr sz="1400" b="0" i="0" u="none" strike="noStrike" cap="none" dirty="0">
                 <a:solidFill>
                   <a:srgbClr val="000000"/>
                 </a:solidFill>
@@ -17128,6 +17142,51 @@
           </p:txBody>
         </p:sp>
       </p:grpSp>
+      <p:sp>
+        <p:nvSpPr>
+          <p:cNvPr id="2" name="Botão de Ação: Avançar ou Próximo 1">
+            <a:hlinkClick r:id="" action="ppaction://hlinkshowjump?jump=lastslide" highlightClick="1"/>
+            <a:extLst>
+              <a:ext uri="{FF2B5EF4-FFF2-40B4-BE49-F238E27FC236}">
+                <a16:creationId xmlns:a16="http://schemas.microsoft.com/office/drawing/2014/main" id="{0DE04DDB-9B7D-70DA-C1E2-17D87881C9FC}"/>
+              </a:ext>
+            </a:extLst>
+          </p:cNvPr>
+          <p:cNvSpPr/>
+          <p:nvPr/>
+        </p:nvSpPr>
+        <p:spPr>
+          <a:xfrm>
+            <a:off x="3685032" y="5897880"/>
+            <a:ext cx="173736" cy="107041"/>
+          </a:xfrm>
+          <a:prstGeom prst="actionButtonForwardNext">
+            <a:avLst/>
+          </a:prstGeom>
+        </p:spPr>
+        <p:style>
+          <a:lnRef idx="1">
+            <a:schemeClr val="accent3"/>
+          </a:lnRef>
+          <a:fillRef idx="2">
+            <a:schemeClr val="accent3"/>
+          </a:fillRef>
+          <a:effectRef idx="1">
+            <a:schemeClr val="accent3"/>
+          </a:effectRef>
+          <a:fontRef idx="minor">
+            <a:schemeClr val="dk1"/>
+          </a:fontRef>
+        </p:style>
+        <p:txBody>
+          <a:bodyPr rtlCol="0" anchor="ctr"/>
+          <a:lstStyle/>
+          <a:p>
+            <a:pPr algn="ctr"/>
+            <a:endParaRPr lang="pt-BR"/>
+          </a:p>
+        </p:txBody>
+      </p:sp>
     </p:spTree>
   </p:cSld>
   <p:clrMapOvr>
@@ -17235,6 +17294,1655 @@
   <p:clrMapOvr>
     <a:masterClrMapping/>
   </p:clrMapOvr>
+</p:sld>
+</file>
+
+<file path=ppt/slides/slide14.xml><?xml version="1.0" encoding="utf-8"?>
+<p:sld xmlns:a="http://schemas.openxmlformats.org/drawingml/2006/main" xmlns:r="http://schemas.openxmlformats.org/officeDocument/2006/relationships" xmlns:p="http://schemas.openxmlformats.org/presentationml/2006/main">
+  <p:cSld>
+    <p:spTree>
+      <p:nvGrpSpPr>
+        <p:cNvPr id="1" name=""/>
+        <p:cNvGrpSpPr/>
+        <p:nvPr/>
+      </p:nvGrpSpPr>
+      <p:grpSpPr>
+        <a:xfrm>
+          <a:off x="0" y="0"/>
+          <a:ext cx="0" cy="0"/>
+          <a:chOff x="0" y="0"/>
+          <a:chExt cx="0" cy="0"/>
+        </a:xfrm>
+      </p:grpSpPr>
+      <p:sp>
+        <p:nvSpPr>
+          <p:cNvPr id="2" name="Título 1">
+            <a:extLst>
+              <a:ext uri="{FF2B5EF4-FFF2-40B4-BE49-F238E27FC236}">
+                <a16:creationId xmlns:a16="http://schemas.microsoft.com/office/drawing/2014/main" id="{0A715FEB-816A-0BD6-FD4B-98748DE8EDBF}"/>
+              </a:ext>
+            </a:extLst>
+          </p:cNvPr>
+          <p:cNvSpPr>
+            <a:spLocks noGrp="1"/>
+          </p:cNvSpPr>
+          <p:nvPr>
+            <p:ph type="title"/>
+          </p:nvPr>
+        </p:nvSpPr>
+        <p:spPr>
+          <a:xfrm>
+            <a:off x="838200" y="548005"/>
+            <a:ext cx="10515600" cy="1325563"/>
+          </a:xfrm>
+          <a:noFill/>
+          <a:ln>
+            <a:noFill/>
+          </a:ln>
+        </p:spPr>
+        <p:txBody>
+          <a:bodyPr spcFirstLastPara="1" wrap="square" lIns="91425" tIns="45700" rIns="91425" bIns="45700" anchor="t" anchorCtr="0">
+            <a:normAutofit fontScale="90000"/>
+          </a:bodyPr>
+          <a:lstStyle/>
+          <a:p>
+            <a:pPr algn="ctr">
+              <a:buSzPct val="100000"/>
+              <a:buFont typeface="Arial"/>
+            </a:pPr>
+            <a:r>
+              <a:rPr lang="pt-BR" sz="3200" b="1" dirty="0">
+                <a:latin typeface="Arial"/>
+                <a:cs typeface="Arial"/>
+                <a:sym typeface="Arial"/>
+              </a:rPr>
+              <a:t>Comparando com um caso concreto </a:t>
+            </a:r>
+            <a:br>
+              <a:rPr lang="pt-BR" sz="3200" b="1" dirty="0">
+                <a:latin typeface="Arial"/>
+                <a:cs typeface="Arial"/>
+                <a:sym typeface="Arial"/>
+              </a:rPr>
+            </a:br>
+            <a:r>
+              <a:rPr lang="pt-BR" sz="3200" b="1" dirty="0">
+                <a:latin typeface="Arial"/>
+                <a:cs typeface="Arial"/>
+                <a:sym typeface="Arial"/>
+              </a:rPr>
+              <a:t>Povoamento maio/2023</a:t>
+            </a:r>
+            <a:br>
+              <a:rPr lang="pt-BR" sz="3200" b="1" dirty="0">
+                <a:latin typeface="Arial"/>
+                <a:cs typeface="Arial"/>
+                <a:sym typeface="Arial"/>
+              </a:rPr>
+            </a:br>
+            <a:endParaRPr lang="pt-BR" sz="3200" b="1" dirty="0">
+              <a:latin typeface="Arial"/>
+              <a:cs typeface="Arial"/>
+              <a:sym typeface="Arial"/>
+            </a:endParaRPr>
+          </a:p>
+        </p:txBody>
+      </p:sp>
+      <p:graphicFrame>
+        <p:nvGraphicFramePr>
+          <p:cNvPr id="4" name="Tabela 3">
+            <a:extLst>
+              <a:ext uri="{FF2B5EF4-FFF2-40B4-BE49-F238E27FC236}">
+                <a16:creationId xmlns:a16="http://schemas.microsoft.com/office/drawing/2014/main" id="{403E3C6D-346E-5B3F-05D3-7A0D2D33AC13}"/>
+              </a:ext>
+            </a:extLst>
+          </p:cNvPr>
+          <p:cNvGraphicFramePr>
+            <a:graphicFrameLocks noGrp="1"/>
+          </p:cNvGraphicFramePr>
+          <p:nvPr>
+            <p:extLst>
+              <p:ext uri="{D42A27DB-BD31-4B8C-83A1-F6EECF244321}">
+                <p14:modId xmlns:p14="http://schemas.microsoft.com/office/powerpoint/2010/main" val="2301387991"/>
+              </p:ext>
+            </p:extLst>
+          </p:nvPr>
+        </p:nvGraphicFramePr>
+        <p:xfrm>
+          <a:off x="2267712" y="2706624"/>
+          <a:ext cx="7086600" cy="1958340"/>
+        </p:xfrm>
+        <a:graphic>
+          <a:graphicData uri="http://schemas.openxmlformats.org/drawingml/2006/table">
+            <a:tbl>
+              <a:tblPr/>
+              <a:tblGrid>
+                <a:gridCol w="2011582">
+                  <a:extLst>
+                    <a:ext uri="{9D8B030D-6E8A-4147-A177-3AD203B41FA5}">
+                      <a16:colId xmlns:a16="http://schemas.microsoft.com/office/drawing/2014/main" val="1562100831"/>
+                    </a:ext>
+                  </a:extLst>
+                </a:gridCol>
+                <a:gridCol w="1358969">
+                  <a:extLst>
+                    <a:ext uri="{9D8B030D-6E8A-4147-A177-3AD203B41FA5}">
+                      <a16:colId xmlns:a16="http://schemas.microsoft.com/office/drawing/2014/main" val="1629562741"/>
+                    </a:ext>
+                  </a:extLst>
+                </a:gridCol>
+                <a:gridCol w="1335935">
+                  <a:extLst>
+                    <a:ext uri="{9D8B030D-6E8A-4147-A177-3AD203B41FA5}">
+                      <a16:colId xmlns:a16="http://schemas.microsoft.com/office/drawing/2014/main" val="2977165967"/>
+                    </a:ext>
+                  </a:extLst>
+                </a:gridCol>
+                <a:gridCol w="1335935">
+                  <a:extLst>
+                    <a:ext uri="{9D8B030D-6E8A-4147-A177-3AD203B41FA5}">
+                      <a16:colId xmlns:a16="http://schemas.microsoft.com/office/drawing/2014/main" val="1621955327"/>
+                    </a:ext>
+                  </a:extLst>
+                </a:gridCol>
+                <a:gridCol w="1044179">
+                  <a:extLst>
+                    <a:ext uri="{9D8B030D-6E8A-4147-A177-3AD203B41FA5}">
+                      <a16:colId xmlns:a16="http://schemas.microsoft.com/office/drawing/2014/main" val="2133643130"/>
+                    </a:ext>
+                  </a:extLst>
+                </a:gridCol>
+              </a:tblGrid>
+              <a:tr h="391668">
+                <a:tc rowSpan="3">
+                  <a:txBody>
+                    <a:bodyPr/>
+                    <a:lstStyle/>
+                    <a:p>
+                      <a:pPr algn="ctr" fontAlgn="ctr"/>
+                      <a:r>
+                        <a:rPr lang="pt-BR" sz="1800" b="0" i="0" u="none" strike="noStrike" dirty="0">
+                          <a:solidFill>
+                            <a:srgbClr val="000000"/>
+                          </a:solidFill>
+                          <a:effectLst/>
+                          <a:latin typeface="Aptos Narrow" panose="020B0004020202020204" pitchFamily="34" charset="0"/>
+                        </a:rPr>
+                        <a:t>Real (</a:t>
+                      </a:r>
+                      <a:r>
+                        <a:rPr lang="pt-BR" sz="1800" b="0" i="0" u="none" strike="noStrike" dirty="0" err="1">
+                          <a:solidFill>
+                            <a:srgbClr val="000000"/>
+                          </a:solidFill>
+                          <a:effectLst/>
+                          <a:latin typeface="Aptos Narrow" panose="020B0004020202020204" pitchFamily="34" charset="0"/>
+                        </a:rPr>
+                        <a:t>pré</a:t>
+                      </a:r>
+                      <a:r>
+                        <a:rPr lang="pt-BR" sz="1800" b="0" i="0" u="none" strike="noStrike" dirty="0">
+                          <a:solidFill>
+                            <a:srgbClr val="000000"/>
+                          </a:solidFill>
+                          <a:effectLst/>
+                          <a:latin typeface="Aptos Narrow" panose="020B0004020202020204" pitchFamily="34" charset="0"/>
+                        </a:rPr>
+                        <a:t>-povoamento)</a:t>
+                      </a:r>
+                    </a:p>
+                  </a:txBody>
+                  <a:tcPr marL="9525" marR="9525" marT="9525" marB="0" anchor="ctr">
+                    <a:lnL w="6350" cap="flat" cmpd="sng" algn="ctr">
+                      <a:solidFill>
+                        <a:srgbClr val="000000"/>
+                      </a:solidFill>
+                      <a:prstDash val="solid"/>
+                      <a:round/>
+                      <a:headEnd type="none" w="med" len="med"/>
+                      <a:tailEnd type="none" w="med" len="med"/>
+                    </a:lnL>
+                    <a:lnR w="6350" cap="flat" cmpd="sng" algn="ctr">
+                      <a:solidFill>
+                        <a:srgbClr val="000000"/>
+                      </a:solidFill>
+                      <a:prstDash val="solid"/>
+                      <a:round/>
+                      <a:headEnd type="none" w="med" len="med"/>
+                      <a:tailEnd type="none" w="med" len="med"/>
+                    </a:lnR>
+                    <a:lnT w="6350" cap="flat" cmpd="sng" algn="ctr">
+                      <a:solidFill>
+                        <a:srgbClr val="000000"/>
+                      </a:solidFill>
+                      <a:prstDash val="solid"/>
+                      <a:round/>
+                      <a:headEnd type="none" w="med" len="med"/>
+                      <a:tailEnd type="none" w="med" len="med"/>
+                    </a:lnT>
+                    <a:lnB w="6350" cap="flat" cmpd="sng" algn="ctr">
+                      <a:solidFill>
+                        <a:srgbClr val="000000"/>
+                      </a:solidFill>
+                      <a:prstDash val="solid"/>
+                      <a:round/>
+                      <a:headEnd type="none" w="med" len="med"/>
+                      <a:tailEnd type="none" w="med" len="med"/>
+                    </a:lnB>
+                    <a:noFill/>
+                  </a:tcPr>
+                </a:tc>
+                <a:tc>
+                  <a:txBody>
+                    <a:bodyPr/>
+                    <a:lstStyle/>
+                    <a:p>
+                      <a:pPr algn="ctr" fontAlgn="b"/>
+                      <a:r>
+                        <a:rPr lang="pt-BR" sz="1800" b="0" i="0" u="none" strike="noStrike">
+                          <a:solidFill>
+                            <a:srgbClr val="000000"/>
+                          </a:solidFill>
+                          <a:effectLst/>
+                          <a:latin typeface="Aptos Narrow" panose="020B0004020202020204" pitchFamily="34" charset="0"/>
+                        </a:rPr>
+                        <a:t>0</a:t>
+                      </a:r>
+                    </a:p>
+                  </a:txBody>
+                  <a:tcPr marL="9525" marR="9525" marT="9525" marB="0" anchor="ctr">
+                    <a:lnL w="6350" cap="flat" cmpd="sng" algn="ctr">
+                      <a:solidFill>
+                        <a:srgbClr val="000000"/>
+                      </a:solidFill>
+                      <a:prstDash val="solid"/>
+                      <a:round/>
+                      <a:headEnd type="none" w="med" len="med"/>
+                      <a:tailEnd type="none" w="med" len="med"/>
+                    </a:lnL>
+                    <a:lnR w="6350" cap="flat" cmpd="sng" algn="ctr">
+                      <a:solidFill>
+                        <a:srgbClr val="000000"/>
+                      </a:solidFill>
+                      <a:prstDash val="solid"/>
+                      <a:round/>
+                      <a:headEnd type="none" w="med" len="med"/>
+                      <a:tailEnd type="none" w="med" len="med"/>
+                    </a:lnR>
+                    <a:lnT w="6350" cap="flat" cmpd="sng" algn="ctr">
+                      <a:solidFill>
+                        <a:srgbClr val="000000"/>
+                      </a:solidFill>
+                      <a:prstDash val="solid"/>
+                      <a:round/>
+                      <a:headEnd type="none" w="med" len="med"/>
+                      <a:tailEnd type="none" w="med" len="med"/>
+                    </a:lnT>
+                    <a:lnB w="6350" cap="flat" cmpd="sng" algn="ctr">
+                      <a:solidFill>
+                        <a:srgbClr val="000000"/>
+                      </a:solidFill>
+                      <a:prstDash val="solid"/>
+                      <a:round/>
+                      <a:headEnd type="none" w="med" len="med"/>
+                      <a:tailEnd type="none" w="med" len="med"/>
+                    </a:lnB>
+                    <a:noFill/>
+                  </a:tcPr>
+                </a:tc>
+                <a:tc>
+                  <a:txBody>
+                    <a:bodyPr/>
+                    <a:lstStyle/>
+                    <a:p>
+                      <a:pPr algn="ctr" fontAlgn="b"/>
+                      <a:r>
+                        <a:rPr lang="pt-BR" sz="1800" b="0" i="0" u="none" strike="noStrike" dirty="0">
+                          <a:solidFill>
+                            <a:srgbClr val="000000"/>
+                          </a:solidFill>
+                          <a:effectLst/>
+                          <a:latin typeface="Aptos Narrow" panose="020B0004020202020204" pitchFamily="34" charset="0"/>
+                        </a:rPr>
+                        <a:t>800.611</a:t>
+                      </a:r>
+                    </a:p>
+                  </a:txBody>
+                  <a:tcPr marL="9525" marR="9525" marT="9525" marB="0" anchor="ctr">
+                    <a:lnL w="6350" cap="flat" cmpd="sng" algn="ctr">
+                      <a:solidFill>
+                        <a:srgbClr val="000000"/>
+                      </a:solidFill>
+                      <a:prstDash val="solid"/>
+                      <a:round/>
+                      <a:headEnd type="none" w="med" len="med"/>
+                      <a:tailEnd type="none" w="med" len="med"/>
+                    </a:lnL>
+                    <a:lnR w="6350" cap="flat" cmpd="sng" algn="ctr">
+                      <a:solidFill>
+                        <a:srgbClr val="000000"/>
+                      </a:solidFill>
+                      <a:prstDash val="solid"/>
+                      <a:round/>
+                      <a:headEnd type="none" w="med" len="med"/>
+                      <a:tailEnd type="none" w="med" len="med"/>
+                    </a:lnR>
+                    <a:lnT w="6350" cap="flat" cmpd="sng" algn="ctr">
+                      <a:solidFill>
+                        <a:srgbClr val="000000"/>
+                      </a:solidFill>
+                      <a:prstDash val="solid"/>
+                      <a:round/>
+                      <a:headEnd type="none" w="med" len="med"/>
+                      <a:tailEnd type="none" w="med" len="med"/>
+                    </a:lnT>
+                    <a:lnB w="6350" cap="flat" cmpd="sng" algn="ctr">
+                      <a:solidFill>
+                        <a:srgbClr val="000000"/>
+                      </a:solidFill>
+                      <a:prstDash val="solid"/>
+                      <a:round/>
+                      <a:headEnd type="none" w="med" len="med"/>
+                      <a:tailEnd type="none" w="med" len="med"/>
+                    </a:lnB>
+                    <a:solidFill>
+                      <a:srgbClr val="A6C9EC"/>
+                    </a:solidFill>
+                  </a:tcPr>
+                </a:tc>
+                <a:tc>
+                  <a:txBody>
+                    <a:bodyPr/>
+                    <a:lstStyle/>
+                    <a:p>
+                      <a:pPr algn="ctr" fontAlgn="b"/>
+                      <a:r>
+                        <a:rPr lang="pt-BR" sz="1800" b="0" i="0" u="none" strike="noStrike">
+                          <a:solidFill>
+                            <a:srgbClr val="000000"/>
+                          </a:solidFill>
+                          <a:effectLst/>
+                          <a:latin typeface="Aptos Narrow" panose="020B0004020202020204" pitchFamily="34" charset="0"/>
+                        </a:rPr>
+                        <a:t>1.994.924</a:t>
+                      </a:r>
+                    </a:p>
+                  </a:txBody>
+                  <a:tcPr marL="9525" marR="9525" marT="9525" marB="0" anchor="ctr">
+                    <a:lnL w="6350" cap="flat" cmpd="sng" algn="ctr">
+                      <a:solidFill>
+                        <a:srgbClr val="000000"/>
+                      </a:solidFill>
+                      <a:prstDash val="solid"/>
+                      <a:round/>
+                      <a:headEnd type="none" w="med" len="med"/>
+                      <a:tailEnd type="none" w="med" len="med"/>
+                    </a:lnL>
+                    <a:lnR w="6350" cap="flat" cmpd="sng" algn="ctr">
+                      <a:solidFill>
+                        <a:srgbClr val="000000"/>
+                      </a:solidFill>
+                      <a:prstDash val="solid"/>
+                      <a:round/>
+                      <a:headEnd type="none" w="med" len="med"/>
+                      <a:tailEnd type="none" w="med" len="med"/>
+                    </a:lnR>
+                    <a:lnT w="6350" cap="flat" cmpd="sng" algn="ctr">
+                      <a:solidFill>
+                        <a:srgbClr val="000000"/>
+                      </a:solidFill>
+                      <a:prstDash val="solid"/>
+                      <a:round/>
+                      <a:headEnd type="none" w="med" len="med"/>
+                      <a:tailEnd type="none" w="med" len="med"/>
+                    </a:lnT>
+                    <a:lnB w="6350" cap="flat" cmpd="sng" algn="ctr">
+                      <a:solidFill>
+                        <a:srgbClr val="000000"/>
+                      </a:solidFill>
+                      <a:prstDash val="solid"/>
+                      <a:round/>
+                      <a:headEnd type="none" w="med" len="med"/>
+                      <a:tailEnd type="none" w="med" len="med"/>
+                    </a:lnB>
+                    <a:solidFill>
+                      <a:srgbClr val="FFFFFF"/>
+                    </a:solidFill>
+                  </a:tcPr>
+                </a:tc>
+                <a:tc>
+                  <a:txBody>
+                    <a:bodyPr/>
+                    <a:lstStyle/>
+                    <a:p>
+                      <a:pPr algn="ctr" fontAlgn="b"/>
+                      <a:r>
+                        <a:rPr lang="pt-BR" sz="1800" b="0" i="0" u="none" strike="noStrike" dirty="0">
+                          <a:solidFill>
+                            <a:srgbClr val="000000"/>
+                          </a:solidFill>
+                          <a:effectLst/>
+                          <a:latin typeface="Aptos Narrow" panose="020B0004020202020204" pitchFamily="34" charset="0"/>
+                        </a:rPr>
+                        <a:t>1.882.992</a:t>
+                      </a:r>
+                    </a:p>
+                  </a:txBody>
+                  <a:tcPr marL="9525" marR="9525" marT="9525" marB="0" anchor="ctr">
+                    <a:lnL w="6350" cap="flat" cmpd="sng" algn="ctr">
+                      <a:solidFill>
+                        <a:srgbClr val="000000"/>
+                      </a:solidFill>
+                      <a:prstDash val="solid"/>
+                      <a:round/>
+                      <a:headEnd type="none" w="med" len="med"/>
+                      <a:tailEnd type="none" w="med" len="med"/>
+                    </a:lnL>
+                    <a:lnR w="6350" cap="flat" cmpd="sng" algn="ctr">
+                      <a:solidFill>
+                        <a:srgbClr val="000000"/>
+                      </a:solidFill>
+                      <a:prstDash val="solid"/>
+                      <a:round/>
+                      <a:headEnd type="none" w="med" len="med"/>
+                      <a:tailEnd type="none" w="med" len="med"/>
+                    </a:lnR>
+                    <a:lnT w="6350" cap="flat" cmpd="sng" algn="ctr">
+                      <a:solidFill>
+                        <a:srgbClr val="000000"/>
+                      </a:solidFill>
+                      <a:prstDash val="solid"/>
+                      <a:round/>
+                      <a:headEnd type="none" w="med" len="med"/>
+                      <a:tailEnd type="none" w="med" len="med"/>
+                    </a:lnT>
+                    <a:lnB w="6350" cap="flat" cmpd="sng" algn="ctr">
+                      <a:solidFill>
+                        <a:srgbClr val="000000"/>
+                      </a:solidFill>
+                      <a:prstDash val="solid"/>
+                      <a:round/>
+                      <a:headEnd type="none" w="med" len="med"/>
+                      <a:tailEnd type="none" w="med" len="med"/>
+                    </a:lnB>
+                    <a:solidFill>
+                      <a:srgbClr val="FFFFFF"/>
+                    </a:solidFill>
+                  </a:tcPr>
+                </a:tc>
+                <a:extLst>
+                  <a:ext uri="{0D108BD9-81ED-4DB2-BD59-A6C34878D82A}">
+                    <a16:rowId xmlns:a16="http://schemas.microsoft.com/office/drawing/2014/main" val="4036059368"/>
+                  </a:ext>
+                </a:extLst>
+              </a:tr>
+              <a:tr h="391668">
+                <a:tc vMerge="1">
+                  <a:txBody>
+                    <a:bodyPr/>
+                    <a:lstStyle/>
+                    <a:p>
+                      <a:endParaRPr lang="pt-BR"/>
+                    </a:p>
+                  </a:txBody>
+                  <a:tcPr/>
+                </a:tc>
+                <a:tc>
+                  <a:txBody>
+                    <a:bodyPr/>
+                    <a:lstStyle/>
+                    <a:p>
+                      <a:pPr algn="ctr" fontAlgn="b"/>
+                      <a:r>
+                        <a:rPr lang="pt-BR" sz="1800" b="0" i="0" u="none" strike="noStrike">
+                          <a:solidFill>
+                            <a:srgbClr val="000000"/>
+                          </a:solidFill>
+                          <a:effectLst/>
+                          <a:latin typeface="Aptos Narrow" panose="020B0004020202020204" pitchFamily="34" charset="0"/>
+                        </a:rPr>
+                        <a:t>1</a:t>
+                      </a:r>
+                    </a:p>
+                  </a:txBody>
+                  <a:tcPr marL="9525" marR="9525" marT="9525" marB="0" anchor="ctr">
+                    <a:lnL w="6350" cap="flat" cmpd="sng" algn="ctr">
+                      <a:solidFill>
+                        <a:srgbClr val="000000"/>
+                      </a:solidFill>
+                      <a:prstDash val="solid"/>
+                      <a:round/>
+                      <a:headEnd type="none" w="med" len="med"/>
+                      <a:tailEnd type="none" w="med" len="med"/>
+                    </a:lnL>
+                    <a:lnR w="6350" cap="flat" cmpd="sng" algn="ctr">
+                      <a:solidFill>
+                        <a:srgbClr val="000000"/>
+                      </a:solidFill>
+                      <a:prstDash val="solid"/>
+                      <a:round/>
+                      <a:headEnd type="none" w="med" len="med"/>
+                      <a:tailEnd type="none" w="med" len="med"/>
+                    </a:lnR>
+                    <a:lnT w="6350" cap="flat" cmpd="sng" algn="ctr">
+                      <a:solidFill>
+                        <a:srgbClr val="000000"/>
+                      </a:solidFill>
+                      <a:prstDash val="solid"/>
+                      <a:round/>
+                      <a:headEnd type="none" w="med" len="med"/>
+                      <a:tailEnd type="none" w="med" len="med"/>
+                    </a:lnT>
+                    <a:lnB w="6350" cap="flat" cmpd="sng" algn="ctr">
+                      <a:solidFill>
+                        <a:srgbClr val="000000"/>
+                      </a:solidFill>
+                      <a:prstDash val="solid"/>
+                      <a:round/>
+                      <a:headEnd type="none" w="med" len="med"/>
+                      <a:tailEnd type="none" w="med" len="med"/>
+                    </a:lnB>
+                    <a:noFill/>
+                  </a:tcPr>
+                </a:tc>
+                <a:tc>
+                  <a:txBody>
+                    <a:bodyPr/>
+                    <a:lstStyle/>
+                    <a:p>
+                      <a:pPr algn="ctr" fontAlgn="b"/>
+                      <a:r>
+                        <a:rPr lang="pt-BR" sz="1800" b="0" i="0" u="none" strike="noStrike">
+                          <a:solidFill>
+                            <a:srgbClr val="000000"/>
+                          </a:solidFill>
+                          <a:effectLst/>
+                          <a:latin typeface="Aptos Narrow" panose="020B0004020202020204" pitchFamily="34" charset="0"/>
+                        </a:rPr>
+                        <a:t>51.097</a:t>
+                      </a:r>
+                    </a:p>
+                  </a:txBody>
+                  <a:tcPr marL="9525" marR="9525" marT="9525" marB="0" anchor="ctr">
+                    <a:lnL w="6350" cap="flat" cmpd="sng" algn="ctr">
+                      <a:solidFill>
+                        <a:srgbClr val="000000"/>
+                      </a:solidFill>
+                      <a:prstDash val="solid"/>
+                      <a:round/>
+                      <a:headEnd type="none" w="med" len="med"/>
+                      <a:tailEnd type="none" w="med" len="med"/>
+                    </a:lnL>
+                    <a:lnR w="6350" cap="flat" cmpd="sng" algn="ctr">
+                      <a:solidFill>
+                        <a:srgbClr val="000000"/>
+                      </a:solidFill>
+                      <a:prstDash val="solid"/>
+                      <a:round/>
+                      <a:headEnd type="none" w="med" len="med"/>
+                      <a:tailEnd type="none" w="med" len="med"/>
+                    </a:lnR>
+                    <a:lnT w="6350" cap="flat" cmpd="sng" algn="ctr">
+                      <a:solidFill>
+                        <a:srgbClr val="000000"/>
+                      </a:solidFill>
+                      <a:prstDash val="solid"/>
+                      <a:round/>
+                      <a:headEnd type="none" w="med" len="med"/>
+                      <a:tailEnd type="none" w="med" len="med"/>
+                    </a:lnT>
+                    <a:lnB w="6350" cap="flat" cmpd="sng" algn="ctr">
+                      <a:solidFill>
+                        <a:srgbClr val="000000"/>
+                      </a:solidFill>
+                      <a:prstDash val="solid"/>
+                      <a:round/>
+                      <a:headEnd type="none" w="med" len="med"/>
+                      <a:tailEnd type="none" w="med" len="med"/>
+                    </a:lnB>
+                    <a:solidFill>
+                      <a:srgbClr val="FFFFFF"/>
+                    </a:solidFill>
+                  </a:tcPr>
+                </a:tc>
+                <a:tc>
+                  <a:txBody>
+                    <a:bodyPr/>
+                    <a:lstStyle/>
+                    <a:p>
+                      <a:pPr algn="ctr" fontAlgn="b"/>
+                      <a:r>
+                        <a:rPr lang="pt-BR" sz="1800" b="0" i="0" u="none" strike="noStrike">
+                          <a:solidFill>
+                            <a:srgbClr val="000000"/>
+                          </a:solidFill>
+                          <a:effectLst/>
+                          <a:latin typeface="Aptos Narrow" panose="020B0004020202020204" pitchFamily="34" charset="0"/>
+                        </a:rPr>
+                        <a:t>2.485.731</a:t>
+                      </a:r>
+                    </a:p>
+                  </a:txBody>
+                  <a:tcPr marL="9525" marR="9525" marT="9525" marB="0" anchor="ctr">
+                    <a:lnL w="6350" cap="flat" cmpd="sng" algn="ctr">
+                      <a:solidFill>
+                        <a:srgbClr val="000000"/>
+                      </a:solidFill>
+                      <a:prstDash val="solid"/>
+                      <a:round/>
+                      <a:headEnd type="none" w="med" len="med"/>
+                      <a:tailEnd type="none" w="med" len="med"/>
+                    </a:lnL>
+                    <a:lnR w="6350" cap="flat" cmpd="sng" algn="ctr">
+                      <a:solidFill>
+                        <a:srgbClr val="000000"/>
+                      </a:solidFill>
+                      <a:prstDash val="solid"/>
+                      <a:round/>
+                      <a:headEnd type="none" w="med" len="med"/>
+                      <a:tailEnd type="none" w="med" len="med"/>
+                    </a:lnR>
+                    <a:lnT w="6350" cap="flat" cmpd="sng" algn="ctr">
+                      <a:solidFill>
+                        <a:srgbClr val="000000"/>
+                      </a:solidFill>
+                      <a:prstDash val="solid"/>
+                      <a:round/>
+                      <a:headEnd type="none" w="med" len="med"/>
+                      <a:tailEnd type="none" w="med" len="med"/>
+                    </a:lnT>
+                    <a:lnB w="6350" cap="flat" cmpd="sng" algn="ctr">
+                      <a:solidFill>
+                        <a:srgbClr val="000000"/>
+                      </a:solidFill>
+                      <a:prstDash val="solid"/>
+                      <a:round/>
+                      <a:headEnd type="none" w="med" len="med"/>
+                      <a:tailEnd type="none" w="med" len="med"/>
+                    </a:lnB>
+                    <a:solidFill>
+                      <a:srgbClr val="A6C9EC"/>
+                    </a:solidFill>
+                  </a:tcPr>
+                </a:tc>
+                <a:tc>
+                  <a:txBody>
+                    <a:bodyPr/>
+                    <a:lstStyle/>
+                    <a:p>
+                      <a:pPr algn="ctr" fontAlgn="b"/>
+                      <a:r>
+                        <a:rPr lang="pt-BR" sz="1800" b="0" i="0" u="none" strike="noStrike">
+                          <a:solidFill>
+                            <a:srgbClr val="000000"/>
+                          </a:solidFill>
+                          <a:effectLst/>
+                          <a:latin typeface="Aptos Narrow" panose="020B0004020202020204" pitchFamily="34" charset="0"/>
+                        </a:rPr>
+                        <a:t>2.266.083</a:t>
+                      </a:r>
+                    </a:p>
+                  </a:txBody>
+                  <a:tcPr marL="9525" marR="9525" marT="9525" marB="0" anchor="ctr">
+                    <a:lnL w="6350" cap="flat" cmpd="sng" algn="ctr">
+                      <a:solidFill>
+                        <a:srgbClr val="000000"/>
+                      </a:solidFill>
+                      <a:prstDash val="solid"/>
+                      <a:round/>
+                      <a:headEnd type="none" w="med" len="med"/>
+                      <a:tailEnd type="none" w="med" len="med"/>
+                    </a:lnL>
+                    <a:lnR w="6350" cap="flat" cmpd="sng" algn="ctr">
+                      <a:solidFill>
+                        <a:srgbClr val="000000"/>
+                      </a:solidFill>
+                      <a:prstDash val="solid"/>
+                      <a:round/>
+                      <a:headEnd type="none" w="med" len="med"/>
+                      <a:tailEnd type="none" w="med" len="med"/>
+                    </a:lnR>
+                    <a:lnT w="6350" cap="flat" cmpd="sng" algn="ctr">
+                      <a:solidFill>
+                        <a:srgbClr val="000000"/>
+                      </a:solidFill>
+                      <a:prstDash val="solid"/>
+                      <a:round/>
+                      <a:headEnd type="none" w="med" len="med"/>
+                      <a:tailEnd type="none" w="med" len="med"/>
+                    </a:lnT>
+                    <a:lnB w="6350" cap="flat" cmpd="sng" algn="ctr">
+                      <a:solidFill>
+                        <a:srgbClr val="000000"/>
+                      </a:solidFill>
+                      <a:prstDash val="solid"/>
+                      <a:round/>
+                      <a:headEnd type="none" w="med" len="med"/>
+                      <a:tailEnd type="none" w="med" len="med"/>
+                    </a:lnB>
+                    <a:solidFill>
+                      <a:srgbClr val="FFFFFF"/>
+                    </a:solidFill>
+                  </a:tcPr>
+                </a:tc>
+                <a:extLst>
+                  <a:ext uri="{0D108BD9-81ED-4DB2-BD59-A6C34878D82A}">
+                    <a16:rowId xmlns:a16="http://schemas.microsoft.com/office/drawing/2014/main" val="959192091"/>
+                  </a:ext>
+                </a:extLst>
+              </a:tr>
+              <a:tr h="391668">
+                <a:tc vMerge="1">
+                  <a:txBody>
+                    <a:bodyPr/>
+                    <a:lstStyle/>
+                    <a:p>
+                      <a:endParaRPr lang="pt-BR"/>
+                    </a:p>
+                  </a:txBody>
+                  <a:tcPr/>
+                </a:tc>
+                <a:tc>
+                  <a:txBody>
+                    <a:bodyPr/>
+                    <a:lstStyle/>
+                    <a:p>
+                      <a:pPr algn="ctr" fontAlgn="b"/>
+                      <a:r>
+                        <a:rPr lang="pt-BR" sz="1800" b="0" i="0" u="none" strike="noStrike">
+                          <a:solidFill>
+                            <a:srgbClr val="000000"/>
+                          </a:solidFill>
+                          <a:effectLst/>
+                          <a:latin typeface="Aptos Narrow" panose="020B0004020202020204" pitchFamily="34" charset="0"/>
+                        </a:rPr>
+                        <a:t>2</a:t>
+                      </a:r>
+                    </a:p>
+                  </a:txBody>
+                  <a:tcPr marL="9525" marR="9525" marT="9525" marB="0" anchor="ctr">
+                    <a:lnL w="6350" cap="flat" cmpd="sng" algn="ctr">
+                      <a:solidFill>
+                        <a:srgbClr val="000000"/>
+                      </a:solidFill>
+                      <a:prstDash val="solid"/>
+                      <a:round/>
+                      <a:headEnd type="none" w="med" len="med"/>
+                      <a:tailEnd type="none" w="med" len="med"/>
+                    </a:lnL>
+                    <a:lnR w="6350" cap="flat" cmpd="sng" algn="ctr">
+                      <a:solidFill>
+                        <a:srgbClr val="000000"/>
+                      </a:solidFill>
+                      <a:prstDash val="solid"/>
+                      <a:round/>
+                      <a:headEnd type="none" w="med" len="med"/>
+                      <a:tailEnd type="none" w="med" len="med"/>
+                    </a:lnR>
+                    <a:lnT w="6350" cap="flat" cmpd="sng" algn="ctr">
+                      <a:solidFill>
+                        <a:srgbClr val="000000"/>
+                      </a:solidFill>
+                      <a:prstDash val="solid"/>
+                      <a:round/>
+                      <a:headEnd type="none" w="med" len="med"/>
+                      <a:tailEnd type="none" w="med" len="med"/>
+                    </a:lnT>
+                    <a:lnB w="6350" cap="flat" cmpd="sng" algn="ctr">
+                      <a:solidFill>
+                        <a:srgbClr val="000000"/>
+                      </a:solidFill>
+                      <a:prstDash val="solid"/>
+                      <a:round/>
+                      <a:headEnd type="none" w="med" len="med"/>
+                      <a:tailEnd type="none" w="med" len="med"/>
+                    </a:lnB>
+                    <a:noFill/>
+                  </a:tcPr>
+                </a:tc>
+                <a:tc>
+                  <a:txBody>
+                    <a:bodyPr/>
+                    <a:lstStyle/>
+                    <a:p>
+                      <a:pPr algn="ctr" fontAlgn="b"/>
+                      <a:r>
+                        <a:rPr lang="pt-BR" sz="1800" b="0" i="0" u="none" strike="noStrike">
+                          <a:solidFill>
+                            <a:srgbClr val="000000"/>
+                          </a:solidFill>
+                          <a:effectLst/>
+                          <a:latin typeface="Aptos Narrow" panose="020B0004020202020204" pitchFamily="34" charset="0"/>
+                        </a:rPr>
+                        <a:t>5.038</a:t>
+                      </a:r>
+                    </a:p>
+                  </a:txBody>
+                  <a:tcPr marL="9525" marR="9525" marT="9525" marB="0" anchor="ctr">
+                    <a:lnL w="6350" cap="flat" cmpd="sng" algn="ctr">
+                      <a:solidFill>
+                        <a:srgbClr val="000000"/>
+                      </a:solidFill>
+                      <a:prstDash val="solid"/>
+                      <a:round/>
+                      <a:headEnd type="none" w="med" len="med"/>
+                      <a:tailEnd type="none" w="med" len="med"/>
+                    </a:lnL>
+                    <a:lnR w="6350" cap="flat" cmpd="sng" algn="ctr">
+                      <a:solidFill>
+                        <a:srgbClr val="000000"/>
+                      </a:solidFill>
+                      <a:prstDash val="solid"/>
+                      <a:round/>
+                      <a:headEnd type="none" w="med" len="med"/>
+                      <a:tailEnd type="none" w="med" len="med"/>
+                    </a:lnR>
+                    <a:lnT w="6350" cap="flat" cmpd="sng" algn="ctr">
+                      <a:solidFill>
+                        <a:srgbClr val="000000"/>
+                      </a:solidFill>
+                      <a:prstDash val="solid"/>
+                      <a:round/>
+                      <a:headEnd type="none" w="med" len="med"/>
+                      <a:tailEnd type="none" w="med" len="med"/>
+                    </a:lnT>
+                    <a:lnB w="6350" cap="flat" cmpd="sng" algn="ctr">
+                      <a:solidFill>
+                        <a:srgbClr val="000000"/>
+                      </a:solidFill>
+                      <a:prstDash val="solid"/>
+                      <a:round/>
+                      <a:headEnd type="none" w="med" len="med"/>
+                      <a:tailEnd type="none" w="med" len="med"/>
+                    </a:lnB>
+                    <a:solidFill>
+                      <a:srgbClr val="FFFFFF"/>
+                    </a:solidFill>
+                  </a:tcPr>
+                </a:tc>
+                <a:tc>
+                  <a:txBody>
+                    <a:bodyPr/>
+                    <a:lstStyle/>
+                    <a:p>
+                      <a:pPr algn="ctr" fontAlgn="b"/>
+                      <a:r>
+                        <a:rPr lang="pt-BR" sz="1800" b="0" i="0" u="none" strike="noStrike">
+                          <a:solidFill>
+                            <a:srgbClr val="000000"/>
+                          </a:solidFill>
+                          <a:effectLst/>
+                          <a:latin typeface="Aptos Narrow" panose="020B0004020202020204" pitchFamily="34" charset="0"/>
+                        </a:rPr>
+                        <a:t>30.352</a:t>
+                      </a:r>
+                    </a:p>
+                  </a:txBody>
+                  <a:tcPr marL="9525" marR="9525" marT="9525" marB="0" anchor="ctr">
+                    <a:lnL w="6350" cap="flat" cmpd="sng" algn="ctr">
+                      <a:solidFill>
+                        <a:srgbClr val="000000"/>
+                      </a:solidFill>
+                      <a:prstDash val="solid"/>
+                      <a:round/>
+                      <a:headEnd type="none" w="med" len="med"/>
+                      <a:tailEnd type="none" w="med" len="med"/>
+                    </a:lnL>
+                    <a:lnR w="6350" cap="flat" cmpd="sng" algn="ctr">
+                      <a:solidFill>
+                        <a:srgbClr val="000000"/>
+                      </a:solidFill>
+                      <a:prstDash val="solid"/>
+                      <a:round/>
+                      <a:headEnd type="none" w="med" len="med"/>
+                      <a:tailEnd type="none" w="med" len="med"/>
+                    </a:lnR>
+                    <a:lnT w="6350" cap="flat" cmpd="sng" algn="ctr">
+                      <a:solidFill>
+                        <a:srgbClr val="000000"/>
+                      </a:solidFill>
+                      <a:prstDash val="solid"/>
+                      <a:round/>
+                      <a:headEnd type="none" w="med" len="med"/>
+                      <a:tailEnd type="none" w="med" len="med"/>
+                    </a:lnT>
+                    <a:lnB w="6350" cap="flat" cmpd="sng" algn="ctr">
+                      <a:solidFill>
+                        <a:srgbClr val="000000"/>
+                      </a:solidFill>
+                      <a:prstDash val="solid"/>
+                      <a:round/>
+                      <a:headEnd type="none" w="med" len="med"/>
+                      <a:tailEnd type="none" w="med" len="med"/>
+                    </a:lnB>
+                    <a:solidFill>
+                      <a:srgbClr val="FFFFFF"/>
+                    </a:solidFill>
+                  </a:tcPr>
+                </a:tc>
+                <a:tc>
+                  <a:txBody>
+                    <a:bodyPr/>
+                    <a:lstStyle/>
+                    <a:p>
+                      <a:pPr algn="ctr" fontAlgn="b"/>
+                      <a:r>
+                        <a:rPr lang="pt-BR" sz="1800" b="0" i="0" u="none" strike="noStrike">
+                          <a:solidFill>
+                            <a:srgbClr val="000000"/>
+                          </a:solidFill>
+                          <a:effectLst/>
+                          <a:latin typeface="Aptos Narrow" panose="020B0004020202020204" pitchFamily="34" charset="0"/>
+                        </a:rPr>
+                        <a:t>5.805.570</a:t>
+                      </a:r>
+                    </a:p>
+                  </a:txBody>
+                  <a:tcPr marL="9525" marR="9525" marT="9525" marB="0" anchor="ctr">
+                    <a:lnL w="6350" cap="flat" cmpd="sng" algn="ctr">
+                      <a:solidFill>
+                        <a:srgbClr val="000000"/>
+                      </a:solidFill>
+                      <a:prstDash val="solid"/>
+                      <a:round/>
+                      <a:headEnd type="none" w="med" len="med"/>
+                      <a:tailEnd type="none" w="med" len="med"/>
+                    </a:lnL>
+                    <a:lnR w="6350" cap="flat" cmpd="sng" algn="ctr">
+                      <a:solidFill>
+                        <a:srgbClr val="000000"/>
+                      </a:solidFill>
+                      <a:prstDash val="solid"/>
+                      <a:round/>
+                      <a:headEnd type="none" w="med" len="med"/>
+                      <a:tailEnd type="none" w="med" len="med"/>
+                    </a:lnR>
+                    <a:lnT w="6350" cap="flat" cmpd="sng" algn="ctr">
+                      <a:solidFill>
+                        <a:srgbClr val="000000"/>
+                      </a:solidFill>
+                      <a:prstDash val="solid"/>
+                      <a:round/>
+                      <a:headEnd type="none" w="med" len="med"/>
+                      <a:tailEnd type="none" w="med" len="med"/>
+                    </a:lnT>
+                    <a:lnB w="6350" cap="flat" cmpd="sng" algn="ctr">
+                      <a:solidFill>
+                        <a:srgbClr val="000000"/>
+                      </a:solidFill>
+                      <a:prstDash val="solid"/>
+                      <a:round/>
+                      <a:headEnd type="none" w="med" len="med"/>
+                      <a:tailEnd type="none" w="med" len="med"/>
+                    </a:lnB>
+                    <a:solidFill>
+                      <a:srgbClr val="A6C9EC"/>
+                    </a:solidFill>
+                  </a:tcPr>
+                </a:tc>
+                <a:extLst>
+                  <a:ext uri="{0D108BD9-81ED-4DB2-BD59-A6C34878D82A}">
+                    <a16:rowId xmlns:a16="http://schemas.microsoft.com/office/drawing/2014/main" val="1014478201"/>
+                  </a:ext>
+                </a:extLst>
+              </a:tr>
+              <a:tr h="391668">
+                <a:tc>
+                  <a:txBody>
+                    <a:bodyPr/>
+                    <a:lstStyle/>
+                    <a:p>
+                      <a:pPr algn="ctr" fontAlgn="b"/>
+                      <a:endParaRPr lang="pt-BR" sz="1800" b="0" i="0" u="none" strike="noStrike">
+                        <a:solidFill>
+                          <a:srgbClr val="000000"/>
+                        </a:solidFill>
+                        <a:effectLst/>
+                        <a:latin typeface="Aptos Narrow" panose="020B0004020202020204" pitchFamily="34" charset="0"/>
+                      </a:endParaRPr>
+                    </a:p>
+                  </a:txBody>
+                  <a:tcPr marL="9525" marR="9525" marT="9525" marB="0" anchor="ctr">
+                    <a:lnL>
+                      <a:noFill/>
+                    </a:lnL>
+                    <a:lnR>
+                      <a:noFill/>
+                    </a:lnR>
+                    <a:lnT w="6350" cap="flat" cmpd="sng" algn="ctr">
+                      <a:solidFill>
+                        <a:srgbClr val="000000"/>
+                      </a:solidFill>
+                      <a:prstDash val="solid"/>
+                      <a:round/>
+                      <a:headEnd type="none" w="med" len="med"/>
+                      <a:tailEnd type="none" w="med" len="med"/>
+                    </a:lnT>
+                    <a:lnB>
+                      <a:noFill/>
+                    </a:lnB>
+                    <a:noFill/>
+                  </a:tcPr>
+                </a:tc>
+                <a:tc>
+                  <a:txBody>
+                    <a:bodyPr/>
+                    <a:lstStyle/>
+                    <a:p>
+                      <a:pPr algn="ctr" fontAlgn="b"/>
+                      <a:endParaRPr lang="pt-BR" sz="1800" b="0" i="0" u="none" strike="noStrike">
+                        <a:solidFill>
+                          <a:srgbClr val="000000"/>
+                        </a:solidFill>
+                        <a:effectLst/>
+                        <a:latin typeface="Aptos Narrow" panose="020B0004020202020204" pitchFamily="34" charset="0"/>
+                      </a:endParaRPr>
+                    </a:p>
+                  </a:txBody>
+                  <a:tcPr marL="9525" marR="9525" marT="9525" marB="0" anchor="ctr">
+                    <a:lnL>
+                      <a:noFill/>
+                    </a:lnL>
+                    <a:lnR w="6350" cap="flat" cmpd="sng" algn="ctr">
+                      <a:solidFill>
+                        <a:srgbClr val="000000"/>
+                      </a:solidFill>
+                      <a:prstDash val="solid"/>
+                      <a:round/>
+                      <a:headEnd type="none" w="med" len="med"/>
+                      <a:tailEnd type="none" w="med" len="med"/>
+                    </a:lnR>
+                    <a:lnT w="6350" cap="flat" cmpd="sng" algn="ctr">
+                      <a:solidFill>
+                        <a:srgbClr val="000000"/>
+                      </a:solidFill>
+                      <a:prstDash val="solid"/>
+                      <a:round/>
+                      <a:headEnd type="none" w="med" len="med"/>
+                      <a:tailEnd type="none" w="med" len="med"/>
+                    </a:lnT>
+                    <a:lnB>
+                      <a:noFill/>
+                    </a:lnB>
+                    <a:noFill/>
+                  </a:tcPr>
+                </a:tc>
+                <a:tc>
+                  <a:txBody>
+                    <a:bodyPr/>
+                    <a:lstStyle/>
+                    <a:p>
+                      <a:pPr algn="ctr" fontAlgn="ctr"/>
+                      <a:r>
+                        <a:rPr lang="pt-BR" sz="1800" b="0" i="0" u="none" strike="noStrike">
+                          <a:solidFill>
+                            <a:srgbClr val="000000"/>
+                          </a:solidFill>
+                          <a:effectLst/>
+                          <a:latin typeface="Aptos Narrow" panose="020B0004020202020204" pitchFamily="34" charset="0"/>
+                        </a:rPr>
+                        <a:t>0</a:t>
+                      </a:r>
+                    </a:p>
+                  </a:txBody>
+                  <a:tcPr marL="9525" marR="9525" marT="9525" marB="0" anchor="ctr">
+                    <a:lnL w="6350" cap="flat" cmpd="sng" algn="ctr">
+                      <a:solidFill>
+                        <a:srgbClr val="000000"/>
+                      </a:solidFill>
+                      <a:prstDash val="solid"/>
+                      <a:round/>
+                      <a:headEnd type="none" w="med" len="med"/>
+                      <a:tailEnd type="none" w="med" len="med"/>
+                    </a:lnL>
+                    <a:lnR w="6350" cap="flat" cmpd="sng" algn="ctr">
+                      <a:solidFill>
+                        <a:srgbClr val="000000"/>
+                      </a:solidFill>
+                      <a:prstDash val="solid"/>
+                      <a:round/>
+                      <a:headEnd type="none" w="med" len="med"/>
+                      <a:tailEnd type="none" w="med" len="med"/>
+                    </a:lnR>
+                    <a:lnT w="6350" cap="flat" cmpd="sng" algn="ctr">
+                      <a:solidFill>
+                        <a:srgbClr val="000000"/>
+                      </a:solidFill>
+                      <a:prstDash val="solid"/>
+                      <a:round/>
+                      <a:headEnd type="none" w="med" len="med"/>
+                      <a:tailEnd type="none" w="med" len="med"/>
+                    </a:lnT>
+                    <a:lnB w="6350" cap="flat" cmpd="sng" algn="ctr">
+                      <a:solidFill>
+                        <a:srgbClr val="000000"/>
+                      </a:solidFill>
+                      <a:prstDash val="solid"/>
+                      <a:round/>
+                      <a:headEnd type="none" w="med" len="med"/>
+                      <a:tailEnd type="none" w="med" len="med"/>
+                    </a:lnB>
+                    <a:noFill/>
+                  </a:tcPr>
+                </a:tc>
+                <a:tc>
+                  <a:txBody>
+                    <a:bodyPr/>
+                    <a:lstStyle/>
+                    <a:p>
+                      <a:pPr algn="ctr" fontAlgn="ctr"/>
+                      <a:r>
+                        <a:rPr lang="pt-BR" sz="1800" b="0" i="0" u="none" strike="noStrike">
+                          <a:solidFill>
+                            <a:srgbClr val="000000"/>
+                          </a:solidFill>
+                          <a:effectLst/>
+                          <a:latin typeface="Aptos Narrow" panose="020B0004020202020204" pitchFamily="34" charset="0"/>
+                        </a:rPr>
+                        <a:t>1</a:t>
+                      </a:r>
+                    </a:p>
+                  </a:txBody>
+                  <a:tcPr marL="9525" marR="9525" marT="9525" marB="0" anchor="ctr">
+                    <a:lnL w="6350" cap="flat" cmpd="sng" algn="ctr">
+                      <a:solidFill>
+                        <a:srgbClr val="000000"/>
+                      </a:solidFill>
+                      <a:prstDash val="solid"/>
+                      <a:round/>
+                      <a:headEnd type="none" w="med" len="med"/>
+                      <a:tailEnd type="none" w="med" len="med"/>
+                    </a:lnL>
+                    <a:lnR w="6350" cap="flat" cmpd="sng" algn="ctr">
+                      <a:solidFill>
+                        <a:srgbClr val="000000"/>
+                      </a:solidFill>
+                      <a:prstDash val="solid"/>
+                      <a:round/>
+                      <a:headEnd type="none" w="med" len="med"/>
+                      <a:tailEnd type="none" w="med" len="med"/>
+                    </a:lnR>
+                    <a:lnT w="6350" cap="flat" cmpd="sng" algn="ctr">
+                      <a:solidFill>
+                        <a:srgbClr val="000000"/>
+                      </a:solidFill>
+                      <a:prstDash val="solid"/>
+                      <a:round/>
+                      <a:headEnd type="none" w="med" len="med"/>
+                      <a:tailEnd type="none" w="med" len="med"/>
+                    </a:lnT>
+                    <a:lnB w="6350" cap="flat" cmpd="sng" algn="ctr">
+                      <a:solidFill>
+                        <a:srgbClr val="000000"/>
+                      </a:solidFill>
+                      <a:prstDash val="solid"/>
+                      <a:round/>
+                      <a:headEnd type="none" w="med" len="med"/>
+                      <a:tailEnd type="none" w="med" len="med"/>
+                    </a:lnB>
+                    <a:noFill/>
+                  </a:tcPr>
+                </a:tc>
+                <a:tc>
+                  <a:txBody>
+                    <a:bodyPr/>
+                    <a:lstStyle/>
+                    <a:p>
+                      <a:pPr algn="ctr" fontAlgn="ctr"/>
+                      <a:r>
+                        <a:rPr lang="pt-BR" sz="1800" b="0" i="0" u="none" strike="noStrike">
+                          <a:solidFill>
+                            <a:srgbClr val="000000"/>
+                          </a:solidFill>
+                          <a:effectLst/>
+                          <a:latin typeface="Aptos Narrow" panose="020B0004020202020204" pitchFamily="34" charset="0"/>
+                        </a:rPr>
+                        <a:t>2</a:t>
+                      </a:r>
+                    </a:p>
+                  </a:txBody>
+                  <a:tcPr marL="9525" marR="9525" marT="9525" marB="0" anchor="ctr">
+                    <a:lnL w="6350" cap="flat" cmpd="sng" algn="ctr">
+                      <a:solidFill>
+                        <a:srgbClr val="000000"/>
+                      </a:solidFill>
+                      <a:prstDash val="solid"/>
+                      <a:round/>
+                      <a:headEnd type="none" w="med" len="med"/>
+                      <a:tailEnd type="none" w="med" len="med"/>
+                    </a:lnL>
+                    <a:lnR w="6350" cap="flat" cmpd="sng" algn="ctr">
+                      <a:solidFill>
+                        <a:srgbClr val="000000"/>
+                      </a:solidFill>
+                      <a:prstDash val="solid"/>
+                      <a:round/>
+                      <a:headEnd type="none" w="med" len="med"/>
+                      <a:tailEnd type="none" w="med" len="med"/>
+                    </a:lnR>
+                    <a:lnT w="6350" cap="flat" cmpd="sng" algn="ctr">
+                      <a:solidFill>
+                        <a:srgbClr val="000000"/>
+                      </a:solidFill>
+                      <a:prstDash val="solid"/>
+                      <a:round/>
+                      <a:headEnd type="none" w="med" len="med"/>
+                      <a:tailEnd type="none" w="med" len="med"/>
+                    </a:lnT>
+                    <a:lnB w="6350" cap="flat" cmpd="sng" algn="ctr">
+                      <a:solidFill>
+                        <a:srgbClr val="000000"/>
+                      </a:solidFill>
+                      <a:prstDash val="solid"/>
+                      <a:round/>
+                      <a:headEnd type="none" w="med" len="med"/>
+                      <a:tailEnd type="none" w="med" len="med"/>
+                    </a:lnB>
+                    <a:noFill/>
+                  </a:tcPr>
+                </a:tc>
+                <a:extLst>
+                  <a:ext uri="{0D108BD9-81ED-4DB2-BD59-A6C34878D82A}">
+                    <a16:rowId xmlns:a16="http://schemas.microsoft.com/office/drawing/2014/main" val="442619325"/>
+                  </a:ext>
+                </a:extLst>
+              </a:tr>
+              <a:tr h="391668">
+                <a:tc>
+                  <a:txBody>
+                    <a:bodyPr/>
+                    <a:lstStyle/>
+                    <a:p>
+                      <a:pPr algn="ctr" fontAlgn="b"/>
+                      <a:endParaRPr lang="pt-BR" sz="1800" b="0" i="0" u="none" strike="noStrike" dirty="0">
+                        <a:solidFill>
+                          <a:srgbClr val="000000"/>
+                        </a:solidFill>
+                        <a:effectLst/>
+                        <a:latin typeface="Aptos Narrow" panose="020B0004020202020204" pitchFamily="34" charset="0"/>
+                      </a:endParaRPr>
+                    </a:p>
+                  </a:txBody>
+                  <a:tcPr marL="9525" marR="9525" marT="9525" marB="0" anchor="ctr">
+                    <a:lnL>
+                      <a:noFill/>
+                    </a:lnL>
+                    <a:lnR>
+                      <a:noFill/>
+                    </a:lnR>
+                    <a:lnT>
+                      <a:noFill/>
+                    </a:lnT>
+                    <a:lnB>
+                      <a:noFill/>
+                    </a:lnB>
+                    <a:noFill/>
+                  </a:tcPr>
+                </a:tc>
+                <a:tc>
+                  <a:txBody>
+                    <a:bodyPr/>
+                    <a:lstStyle/>
+                    <a:p>
+                      <a:pPr algn="ctr" fontAlgn="b"/>
+                      <a:endParaRPr lang="pt-BR" sz="1800" b="0" i="0" u="none" strike="noStrike">
+                        <a:solidFill>
+                          <a:srgbClr val="000000"/>
+                        </a:solidFill>
+                        <a:effectLst/>
+                        <a:latin typeface="Aptos Narrow" panose="020B0004020202020204" pitchFamily="34" charset="0"/>
+                      </a:endParaRPr>
+                    </a:p>
+                  </a:txBody>
+                  <a:tcPr marL="9525" marR="9525" marT="9525" marB="0" anchor="ctr">
+                    <a:lnL>
+                      <a:noFill/>
+                    </a:lnL>
+                    <a:lnR w="6350" cap="flat" cmpd="sng" algn="ctr">
+                      <a:solidFill>
+                        <a:srgbClr val="000000"/>
+                      </a:solidFill>
+                      <a:prstDash val="solid"/>
+                      <a:round/>
+                      <a:headEnd type="none" w="med" len="med"/>
+                      <a:tailEnd type="none" w="med" len="med"/>
+                    </a:lnR>
+                    <a:lnT>
+                      <a:noFill/>
+                    </a:lnT>
+                    <a:lnB>
+                      <a:noFill/>
+                    </a:lnB>
+                    <a:noFill/>
+                  </a:tcPr>
+                </a:tc>
+                <a:tc gridSpan="3">
+                  <a:txBody>
+                    <a:bodyPr/>
+                    <a:lstStyle/>
+                    <a:p>
+                      <a:pPr algn="ctr" fontAlgn="b"/>
+                      <a:r>
+                        <a:rPr lang="pt-BR" sz="1800" b="0" i="0" u="none" strike="noStrike" dirty="0">
+                          <a:solidFill>
+                            <a:srgbClr val="000000"/>
+                          </a:solidFill>
+                          <a:effectLst/>
+                          <a:latin typeface="Aptos Narrow" panose="020B0004020202020204" pitchFamily="34" charset="0"/>
+                        </a:rPr>
+                        <a:t>Predição (pós-povoamento)</a:t>
+                      </a:r>
+                    </a:p>
+                  </a:txBody>
+                  <a:tcPr marL="9525" marR="9525" marT="9525" marB="0" anchor="ctr">
+                    <a:lnL w="6350" cap="flat" cmpd="sng" algn="ctr">
+                      <a:solidFill>
+                        <a:srgbClr val="000000"/>
+                      </a:solidFill>
+                      <a:prstDash val="solid"/>
+                      <a:round/>
+                      <a:headEnd type="none" w="med" len="med"/>
+                      <a:tailEnd type="none" w="med" len="med"/>
+                    </a:lnL>
+                    <a:lnR w="6350" cap="flat" cmpd="sng" algn="ctr">
+                      <a:solidFill>
+                        <a:srgbClr val="000000"/>
+                      </a:solidFill>
+                      <a:prstDash val="solid"/>
+                      <a:round/>
+                      <a:headEnd type="none" w="med" len="med"/>
+                      <a:tailEnd type="none" w="med" len="med"/>
+                    </a:lnR>
+                    <a:lnT w="6350" cap="flat" cmpd="sng" algn="ctr">
+                      <a:solidFill>
+                        <a:srgbClr val="000000"/>
+                      </a:solidFill>
+                      <a:prstDash val="solid"/>
+                      <a:round/>
+                      <a:headEnd type="none" w="med" len="med"/>
+                      <a:tailEnd type="none" w="med" len="med"/>
+                    </a:lnT>
+                    <a:lnB w="6350" cap="flat" cmpd="sng" algn="ctr">
+                      <a:solidFill>
+                        <a:srgbClr val="000000"/>
+                      </a:solidFill>
+                      <a:prstDash val="solid"/>
+                      <a:round/>
+                      <a:headEnd type="none" w="med" len="med"/>
+                      <a:tailEnd type="none" w="med" len="med"/>
+                    </a:lnB>
+                    <a:noFill/>
+                  </a:tcPr>
+                </a:tc>
+                <a:tc hMerge="1">
+                  <a:txBody>
+                    <a:bodyPr/>
+                    <a:lstStyle/>
+                    <a:p>
+                      <a:endParaRPr lang="pt-BR"/>
+                    </a:p>
+                  </a:txBody>
+                  <a:tcPr/>
+                </a:tc>
+                <a:tc hMerge="1">
+                  <a:txBody>
+                    <a:bodyPr/>
+                    <a:lstStyle/>
+                    <a:p>
+                      <a:endParaRPr lang="pt-BR"/>
+                    </a:p>
+                  </a:txBody>
+                  <a:tcPr/>
+                </a:tc>
+                <a:extLst>
+                  <a:ext uri="{0D108BD9-81ED-4DB2-BD59-A6C34878D82A}">
+                    <a16:rowId xmlns:a16="http://schemas.microsoft.com/office/drawing/2014/main" val="2907822768"/>
+                  </a:ext>
+                </a:extLst>
+              </a:tr>
+            </a:tbl>
+          </a:graphicData>
+        </a:graphic>
+      </p:graphicFrame>
+      <p:sp>
+        <p:nvSpPr>
+          <p:cNvPr id="5" name="Retângulo 4">
+            <a:extLst>
+              <a:ext uri="{FF2B5EF4-FFF2-40B4-BE49-F238E27FC236}">
+                <a16:creationId xmlns:a16="http://schemas.microsoft.com/office/drawing/2014/main" id="{A999D1A8-8EF1-AC45-FF5F-3AA4FD9230BF}"/>
+              </a:ext>
+            </a:extLst>
+          </p:cNvPr>
+          <p:cNvSpPr/>
+          <p:nvPr/>
+        </p:nvSpPr>
+        <p:spPr>
+          <a:xfrm>
+            <a:off x="8311896" y="3099816"/>
+            <a:ext cx="1042416" cy="1197864"/>
+          </a:xfrm>
+          <a:prstGeom prst="rect">
+            <a:avLst/>
+          </a:prstGeom>
+          <a:noFill/>
+          <a:ln>
+            <a:solidFill>
+              <a:srgbClr val="FF0000"/>
+            </a:solidFill>
+          </a:ln>
+        </p:spPr>
+        <p:style>
+          <a:lnRef idx="2">
+            <a:schemeClr val="accent1">
+              <a:shade val="15000"/>
+            </a:schemeClr>
+          </a:lnRef>
+          <a:fillRef idx="1">
+            <a:schemeClr val="accent1"/>
+          </a:fillRef>
+          <a:effectRef idx="0">
+            <a:schemeClr val="accent1"/>
+          </a:effectRef>
+          <a:fontRef idx="minor">
+            <a:schemeClr val="lt1"/>
+          </a:fontRef>
+        </p:style>
+        <p:txBody>
+          <a:bodyPr rtlCol="0" anchor="ctr"/>
+          <a:lstStyle/>
+          <a:p>
+            <a:pPr algn="ctr"/>
+            <a:endParaRPr lang="pt-BR"/>
+          </a:p>
+        </p:txBody>
+      </p:sp>
+      <p:sp>
+        <p:nvSpPr>
+          <p:cNvPr id="6" name="Retângulo 5">
+            <a:extLst>
+              <a:ext uri="{FF2B5EF4-FFF2-40B4-BE49-F238E27FC236}">
+                <a16:creationId xmlns:a16="http://schemas.microsoft.com/office/drawing/2014/main" id="{5DA1B8A6-0D2C-DA65-D5E2-AA9B9FE324B3}"/>
+              </a:ext>
+            </a:extLst>
+          </p:cNvPr>
+          <p:cNvSpPr/>
+          <p:nvPr/>
+        </p:nvSpPr>
+        <p:spPr>
+          <a:xfrm>
+            <a:off x="5650992" y="3867912"/>
+            <a:ext cx="3694176" cy="420624"/>
+          </a:xfrm>
+          <a:prstGeom prst="rect">
+            <a:avLst/>
+          </a:prstGeom>
+          <a:noFill/>
+          <a:ln>
+            <a:solidFill>
+              <a:srgbClr val="FF0000"/>
+            </a:solidFill>
+            <a:prstDash val="dash"/>
+          </a:ln>
+        </p:spPr>
+        <p:style>
+          <a:lnRef idx="2">
+            <a:schemeClr val="accent1">
+              <a:shade val="15000"/>
+            </a:schemeClr>
+          </a:lnRef>
+          <a:fillRef idx="1">
+            <a:schemeClr val="accent1"/>
+          </a:fillRef>
+          <a:effectRef idx="0">
+            <a:schemeClr val="accent1"/>
+          </a:effectRef>
+          <a:fontRef idx="minor">
+            <a:schemeClr val="lt1"/>
+          </a:fontRef>
+        </p:style>
+        <p:txBody>
+          <a:bodyPr rtlCol="0" anchor="ctr"/>
+          <a:lstStyle/>
+          <a:p>
+            <a:pPr algn="ctr"/>
+            <a:endParaRPr lang="pt-BR"/>
+          </a:p>
+        </p:txBody>
+      </p:sp>
+    </p:spTree>
+    <p:extLst>
+      <p:ext uri="{BB962C8B-B14F-4D97-AF65-F5344CB8AC3E}">
+        <p14:creationId xmlns:p14="http://schemas.microsoft.com/office/powerpoint/2010/main" val="1553930664"/>
+      </p:ext>
+    </p:extLst>
+  </p:cSld>
+  <p:clrMapOvr>
+    <a:masterClrMapping/>
+  </p:clrMapOvr>
+  <p:timing>
+    <p:tnLst>
+      <p:par>
+        <p:cTn id="1" dur="indefinite" restart="never" nodeType="tmRoot">
+          <p:childTnLst>
+            <p:seq concurrent="1" nextAc="seek">
+              <p:cTn id="2" dur="indefinite" nodeType="mainSeq">
+                <p:childTnLst>
+                  <p:par>
+                    <p:cTn id="3" fill="hold">
+                      <p:stCondLst>
+                        <p:cond delay="indefinite"/>
+                      </p:stCondLst>
+                      <p:childTnLst>
+                        <p:par>
+                          <p:cTn id="4" fill="hold">
+                            <p:stCondLst>
+                              <p:cond delay="0"/>
+                            </p:stCondLst>
+                            <p:childTnLst>
+                              <p:par>
+                                <p:cTn id="5" presetID="1" presetClass="entr" presetSubtype="0" fill="hold" grpId="0" nodeType="clickEffect">
+                                  <p:stCondLst>
+                                    <p:cond delay="0"/>
+                                  </p:stCondLst>
+                                  <p:childTnLst>
+                                    <p:set>
+                                      <p:cBhvr>
+                                        <p:cTn id="6" dur="1" fill="hold">
+                                          <p:stCondLst>
+                                            <p:cond delay="0"/>
+                                          </p:stCondLst>
+                                        </p:cTn>
+                                        <p:tgtEl>
+                                          <p:spTgt spid="6"/>
+                                        </p:tgtEl>
+                                        <p:attrNameLst>
+                                          <p:attrName>style.visibility</p:attrName>
+                                        </p:attrNameLst>
+                                      </p:cBhvr>
+                                      <p:to>
+                                        <p:strVal val="visible"/>
+                                      </p:to>
+                                    </p:set>
+                                  </p:childTnLst>
+                                </p:cTn>
+                              </p:par>
+                            </p:childTnLst>
+                          </p:cTn>
+                        </p:par>
+                      </p:childTnLst>
+                    </p:cTn>
+                  </p:par>
+                  <p:par>
+                    <p:cTn id="7" fill="hold">
+                      <p:stCondLst>
+                        <p:cond delay="indefinite"/>
+                      </p:stCondLst>
+                      <p:childTnLst>
+                        <p:par>
+                          <p:cTn id="8" fill="hold">
+                            <p:stCondLst>
+                              <p:cond delay="0"/>
+                            </p:stCondLst>
+                            <p:childTnLst>
+                              <p:par>
+                                <p:cTn id="9" presetID="1" presetClass="entr" presetSubtype="0" fill="hold" grpId="0" nodeType="clickEffect">
+                                  <p:stCondLst>
+                                    <p:cond delay="0"/>
+                                  </p:stCondLst>
+                                  <p:childTnLst>
+                                    <p:set>
+                                      <p:cBhvr>
+                                        <p:cTn id="10" dur="1" fill="hold">
+                                          <p:stCondLst>
+                                            <p:cond delay="0"/>
+                                          </p:stCondLst>
+                                        </p:cTn>
+                                        <p:tgtEl>
+                                          <p:spTgt spid="5"/>
+                                        </p:tgtEl>
+                                        <p:attrNameLst>
+                                          <p:attrName>style.visibility</p:attrName>
+                                        </p:attrNameLst>
+                                      </p:cBhvr>
+                                      <p:to>
+                                        <p:strVal val="visible"/>
+                                      </p:to>
+                                    </p:set>
+                                  </p:childTnLst>
+                                </p:cTn>
+                              </p:par>
+                            </p:childTnLst>
+                          </p:cTn>
+                        </p:par>
+                      </p:childTnLst>
+                    </p:cTn>
+                  </p:par>
+                </p:childTnLst>
+              </p:cTn>
+              <p:prevCondLst>
+                <p:cond evt="onPrev" delay="0">
+                  <p:tgtEl>
+                    <p:sldTgt/>
+                  </p:tgtEl>
+                </p:cond>
+              </p:prevCondLst>
+              <p:nextCondLst>
+                <p:cond evt="onNext" delay="0">
+                  <p:tgtEl>
+                    <p:sldTgt/>
+                  </p:tgtEl>
+                </p:cond>
+              </p:nextCondLst>
+            </p:seq>
+          </p:childTnLst>
+        </p:cTn>
+      </p:par>
+    </p:tnLst>
+    <p:bldLst>
+      <p:bldP spid="5" grpId="0" animBg="1"/>
+      <p:bldP spid="6" grpId="0" animBg="1"/>
+    </p:bldLst>
+  </p:timing>
 </p:sld>
 </file>
 
@@ -22960,7 +24668,7 @@
         </p:blipFill>
         <p:spPr>
           <a:xfrm>
-            <a:off x="7265750" y="4524638"/>
+            <a:off x="7265750" y="4506350"/>
             <a:ext cx="4848225" cy="1533525"/>
           </a:xfrm>
           <a:prstGeom prst="rect">
@@ -23518,7 +25226,7 @@
         </p:nvSpPr>
         <p:spPr>
           <a:xfrm>
-            <a:off x="858056" y="5230223"/>
+            <a:off x="1002030" y="5261911"/>
             <a:ext cx="1365600" cy="512100"/>
           </a:xfrm>
           <a:prstGeom prst="wedgeRectCallout">
@@ -23990,8 +25698,8 @@
         </p:nvSpPr>
         <p:spPr>
           <a:xfrm>
-            <a:off x="7265750" y="4536591"/>
-            <a:ext cx="4802400" cy="797070"/>
+            <a:off x="7265750" y="4506375"/>
+            <a:ext cx="4802400" cy="808998"/>
           </a:xfrm>
           <a:prstGeom prst="rect">
             <a:avLst/>
@@ -24050,13 +25758,13 @@
         </p:nvSpPr>
         <p:spPr>
           <a:xfrm>
-            <a:off x="8894221" y="3726954"/>
+            <a:off x="8894221" y="3625857"/>
             <a:ext cx="2636100" cy="622200"/>
           </a:xfrm>
           <a:prstGeom prst="wedgeRectCallout">
             <a:avLst>
-              <a:gd name="adj1" fmla="val -21180"/>
-              <a:gd name="adj2" fmla="val 72787"/>
+              <a:gd name="adj1" fmla="val -20833"/>
+              <a:gd name="adj2" fmla="val 62500"/>
             </a:avLst>
           </a:prstGeom>
           <a:solidFill>
@@ -24096,7 +25804,7 @@
               <a:buNone/>
             </a:pPr>
             <a:r>
-              <a:rPr lang="pt-BR" sz="1100" b="0" i="0" u="none" strike="noStrike" cap="none" dirty="0">
+              <a:rPr lang="pt-BR" sz="1100" b="0" i="0" u="none" strike="noStrike" cap="none">
                 <a:solidFill>
                   <a:schemeClr val="dk1"/>
                 </a:solidFill>
@@ -24105,9 +25813,9 @@
                 <a:cs typeface="Arial"/>
                 <a:sym typeface="Arial"/>
               </a:rPr>
-              <a:t>Modelo selecionado: resultados semelhantes treino/teste, boa performance no recall e AUC</a:t>
+              <a:t>Resultados semelhantes treino/teste. Escolha por outros parâmetros além da Acurácia: Recall e AUC</a:t>
             </a:r>
-            <a:endParaRPr sz="1400" b="0" i="0" u="none" strike="noStrike" cap="none" dirty="0">
+            <a:endParaRPr sz="1400" b="0" i="0" u="none" strike="noStrike" cap="none">
               <a:solidFill>
                 <a:srgbClr val="000000"/>
               </a:solidFill>
@@ -24871,7 +26579,7 @@
           <p:cNvPr id="2" name="Retângulo 1">
             <a:extLst>
               <a:ext uri="{FF2B5EF4-FFF2-40B4-BE49-F238E27FC236}">
-                <a16:creationId xmlns:a16="http://schemas.microsoft.com/office/drawing/2014/main" id="{2CE2057F-7D45-6B97-43A2-FAD069840747}"/>
+                <a16:creationId xmlns:a16="http://schemas.microsoft.com/office/drawing/2014/main" id="{928A026A-5CF3-D702-C2A7-263F200F90B2}"/>
               </a:ext>
             </a:extLst>
           </p:cNvPr>
@@ -24880,14 +26588,402 @@
         </p:nvSpPr>
         <p:spPr>
           <a:xfrm>
-            <a:off x="3172968" y="1984248"/>
-            <a:ext cx="1078992" cy="3154680"/>
+            <a:off x="3163824" y="1984248"/>
+            <a:ext cx="1097280" cy="3136392"/>
           </a:xfrm>
           <a:prstGeom prst="rect">
             <a:avLst/>
           </a:prstGeom>
           <a:noFill/>
           <a:ln w="38100">
+            <a:solidFill>
+              <a:srgbClr val="FF0000"/>
+            </a:solidFill>
+          </a:ln>
+        </p:spPr>
+        <p:style>
+          <a:lnRef idx="2">
+            <a:schemeClr val="accent1">
+              <a:shade val="15000"/>
+            </a:schemeClr>
+          </a:lnRef>
+          <a:fillRef idx="1">
+            <a:schemeClr val="accent1"/>
+          </a:fillRef>
+          <a:effectRef idx="0">
+            <a:schemeClr val="accent1"/>
+          </a:effectRef>
+          <a:fontRef idx="minor">
+            <a:schemeClr val="lt1"/>
+          </a:fontRef>
+        </p:style>
+        <p:txBody>
+          <a:bodyPr rtlCol="0" anchor="ctr"/>
+          <a:lstStyle/>
+          <a:p>
+            <a:pPr algn="ctr"/>
+            <a:endParaRPr lang="pt-BR"/>
+          </a:p>
+        </p:txBody>
+      </p:sp>
+      <p:sp>
+        <p:nvSpPr>
+          <p:cNvPr id="3" name="Retângulo 2">
+            <a:extLst>
+              <a:ext uri="{FF2B5EF4-FFF2-40B4-BE49-F238E27FC236}">
+                <a16:creationId xmlns:a16="http://schemas.microsoft.com/office/drawing/2014/main" id="{F79F8641-B9AD-82E0-1197-75DAA632E8FC}"/>
+              </a:ext>
+            </a:extLst>
+          </p:cNvPr>
+          <p:cNvSpPr/>
+          <p:nvPr/>
+        </p:nvSpPr>
+        <p:spPr>
+          <a:xfrm>
+            <a:off x="1071154" y="4079631"/>
+            <a:ext cx="3203013" cy="1041009"/>
+          </a:xfrm>
+          <a:prstGeom prst="rect">
+            <a:avLst/>
+          </a:prstGeom>
+          <a:noFill/>
+          <a:ln w="38100">
+            <a:solidFill>
+              <a:srgbClr val="FF0000"/>
+            </a:solidFill>
+            <a:prstDash val="dash"/>
+          </a:ln>
+        </p:spPr>
+        <p:style>
+          <a:lnRef idx="2">
+            <a:schemeClr val="accent1">
+              <a:shade val="15000"/>
+            </a:schemeClr>
+          </a:lnRef>
+          <a:fillRef idx="1">
+            <a:schemeClr val="accent1"/>
+          </a:fillRef>
+          <a:effectRef idx="0">
+            <a:schemeClr val="accent1"/>
+          </a:effectRef>
+          <a:fontRef idx="minor">
+            <a:schemeClr val="lt1"/>
+          </a:fontRef>
+        </p:style>
+        <p:txBody>
+          <a:bodyPr rtlCol="0" anchor="ctr"/>
+          <a:lstStyle/>
+          <a:p>
+            <a:pPr algn="ctr"/>
+            <a:endParaRPr lang="pt-BR"/>
+          </a:p>
+        </p:txBody>
+      </p:sp>
+    </p:spTree>
+  </p:cSld>
+  <p:clrMapOvr>
+    <a:masterClrMapping/>
+  </p:clrMapOvr>
+  <p:timing>
+    <p:tnLst>
+      <p:par>
+        <p:cTn id="1" dur="indefinite" restart="never" nodeType="tmRoot">
+          <p:childTnLst>
+            <p:seq concurrent="1" nextAc="seek">
+              <p:cTn id="2" dur="indefinite" nodeType="mainSeq">
+                <p:childTnLst>
+                  <p:par>
+                    <p:cTn id="3" fill="hold">
+                      <p:stCondLst>
+                        <p:cond delay="indefinite"/>
+                      </p:stCondLst>
+                      <p:childTnLst>
+                        <p:par>
+                          <p:cTn id="4" fill="hold">
+                            <p:stCondLst>
+                              <p:cond delay="0"/>
+                            </p:stCondLst>
+                            <p:childTnLst>
+                              <p:par>
+                                <p:cTn id="5" presetID="1" presetClass="entr" presetSubtype="0" fill="hold" grpId="0" nodeType="clickEffect">
+                                  <p:stCondLst>
+                                    <p:cond delay="0"/>
+                                  </p:stCondLst>
+                                  <p:childTnLst>
+                                    <p:set>
+                                      <p:cBhvr>
+                                        <p:cTn id="6" dur="1" fill="hold">
+                                          <p:stCondLst>
+                                            <p:cond delay="0"/>
+                                          </p:stCondLst>
+                                        </p:cTn>
+                                        <p:tgtEl>
+                                          <p:spTgt spid="3"/>
+                                        </p:tgtEl>
+                                        <p:attrNameLst>
+                                          <p:attrName>style.visibility</p:attrName>
+                                        </p:attrNameLst>
+                                      </p:cBhvr>
+                                      <p:to>
+                                        <p:strVal val="visible"/>
+                                      </p:to>
+                                    </p:set>
+                                  </p:childTnLst>
+                                </p:cTn>
+                              </p:par>
+                            </p:childTnLst>
+                          </p:cTn>
+                        </p:par>
+                      </p:childTnLst>
+                    </p:cTn>
+                  </p:par>
+                  <p:par>
+                    <p:cTn id="7" fill="hold">
+                      <p:stCondLst>
+                        <p:cond delay="indefinite"/>
+                      </p:stCondLst>
+                      <p:childTnLst>
+                        <p:par>
+                          <p:cTn id="8" fill="hold">
+                            <p:stCondLst>
+                              <p:cond delay="0"/>
+                            </p:stCondLst>
+                            <p:childTnLst>
+                              <p:par>
+                                <p:cTn id="9" presetID="1" presetClass="entr" presetSubtype="0" fill="hold" grpId="0" nodeType="clickEffect">
+                                  <p:stCondLst>
+                                    <p:cond delay="0"/>
+                                  </p:stCondLst>
+                                  <p:childTnLst>
+                                    <p:set>
+                                      <p:cBhvr>
+                                        <p:cTn id="10" dur="1" fill="hold">
+                                          <p:stCondLst>
+                                            <p:cond delay="0"/>
+                                          </p:stCondLst>
+                                        </p:cTn>
+                                        <p:tgtEl>
+                                          <p:spTgt spid="2"/>
+                                        </p:tgtEl>
+                                        <p:attrNameLst>
+                                          <p:attrName>style.visibility</p:attrName>
+                                        </p:attrNameLst>
+                                      </p:cBhvr>
+                                      <p:to>
+                                        <p:strVal val="visible"/>
+                                      </p:to>
+                                    </p:set>
+                                  </p:childTnLst>
+                                </p:cTn>
+                              </p:par>
+                            </p:childTnLst>
+                          </p:cTn>
+                        </p:par>
+                      </p:childTnLst>
+                    </p:cTn>
+                  </p:par>
+                </p:childTnLst>
+              </p:cTn>
+              <p:prevCondLst>
+                <p:cond evt="onPrev" delay="0">
+                  <p:tgtEl>
+                    <p:sldTgt/>
+                  </p:tgtEl>
+                </p:cond>
+              </p:prevCondLst>
+              <p:nextCondLst>
+                <p:cond evt="onNext" delay="0">
+                  <p:tgtEl>
+                    <p:sldTgt/>
+                  </p:tgtEl>
+                </p:cond>
+              </p:nextCondLst>
+            </p:seq>
+          </p:childTnLst>
+        </p:cTn>
+      </p:par>
+    </p:tnLst>
+    <p:bldLst>
+      <p:bldP spid="2" grpId="0" animBg="1"/>
+      <p:bldP spid="3" grpId="0" animBg="1"/>
+    </p:bldLst>
+  </p:timing>
+</p:sld>
+</file>
+
+<file path=ppt/slides/slide9.xml><?xml version="1.0" encoding="utf-8"?>
+<p:sld xmlns:a="http://schemas.openxmlformats.org/drawingml/2006/main" xmlns:r="http://schemas.openxmlformats.org/officeDocument/2006/relationships" xmlns:p="http://schemas.openxmlformats.org/presentationml/2006/main">
+  <p:cSld>
+    <p:spTree>
+      <p:nvGrpSpPr>
+        <p:cNvPr id="1" name="Shape 232"/>
+        <p:cNvGrpSpPr/>
+        <p:nvPr/>
+      </p:nvGrpSpPr>
+      <p:grpSpPr>
+        <a:xfrm>
+          <a:off x="0" y="0"/>
+          <a:ext cx="0" cy="0"/>
+          <a:chOff x="0" y="0"/>
+          <a:chExt cx="0" cy="0"/>
+        </a:xfrm>
+      </p:grpSpPr>
+      <p:pic>
+        <p:nvPicPr>
+          <p:cNvPr id="233" name="Google Shape;233;p24" descr="Texto&#10;&#10;Descrição gerada automaticamente"/>
+          <p:cNvPicPr preferRelativeResize="0"/>
+          <p:nvPr/>
+        </p:nvPicPr>
+        <p:blipFill rotWithShape="1">
+          <a:blip r:embed="rId3">
+            <a:alphaModFix/>
+          </a:blip>
+          <a:srcRect/>
+          <a:stretch/>
+        </p:blipFill>
+        <p:spPr>
+          <a:xfrm>
+            <a:off x="-85257" y="88437"/>
+            <a:ext cx="1886626" cy="881224"/>
+          </a:xfrm>
+          <a:prstGeom prst="rect">
+            <a:avLst/>
+          </a:prstGeom>
+          <a:noFill/>
+          <a:ln>
+            <a:noFill/>
+          </a:ln>
+        </p:spPr>
+      </p:pic>
+      <p:sp>
+        <p:nvSpPr>
+          <p:cNvPr id="234" name="Google Shape;234;p24"/>
+          <p:cNvSpPr txBox="1">
+            <a:spLocks noGrp="1"/>
+          </p:cNvSpPr>
+          <p:nvPr>
+            <p:ph type="subTitle" idx="1"/>
+          </p:nvPr>
+        </p:nvSpPr>
+        <p:spPr>
+          <a:xfrm>
+            <a:off x="1158240" y="853075"/>
+            <a:ext cx="9144000" cy="451995"/>
+          </a:xfrm>
+          <a:prstGeom prst="rect">
+            <a:avLst/>
+          </a:prstGeom>
+          <a:noFill/>
+          <a:ln>
+            <a:noFill/>
+          </a:ln>
+        </p:spPr>
+        <p:txBody>
+          <a:bodyPr spcFirstLastPara="1" wrap="square" lIns="91425" tIns="45700" rIns="91425" bIns="45700" anchor="t" anchorCtr="0">
+            <a:normAutofit fontScale="92500" lnSpcReduction="20000"/>
+          </a:bodyPr>
+          <a:lstStyle/>
+          <a:p>
+            <a:pPr marL="0" lvl="0" indent="0" algn="ctr" rtl="0">
+              <a:lnSpc>
+                <a:spcPct val="90000"/>
+              </a:lnSpc>
+              <a:spcBef>
+                <a:spcPts val="0"/>
+              </a:spcBef>
+              <a:spcAft>
+                <a:spcPts val="0"/>
+              </a:spcAft>
+              <a:buClr>
+                <a:schemeClr val="dk1"/>
+              </a:buClr>
+              <a:buSzPct val="100000"/>
+              <a:buNone/>
+            </a:pPr>
+            <a:r>
+              <a:rPr lang="pt-BR" sz="3200" b="1" dirty="0"/>
+              <a:t>Avaliação – modelo treino/teste</a:t>
+            </a:r>
+            <a:endParaRPr dirty="0"/>
+          </a:p>
+        </p:txBody>
+      </p:sp>
+      <p:pic>
+        <p:nvPicPr>
+          <p:cNvPr id="235" name="Google Shape;235;p24" descr="Gráfico, Diagrama&#10;&#10;Descrição gerada automaticamente"/>
+          <p:cNvPicPr preferRelativeResize="0"/>
+          <p:nvPr/>
+        </p:nvPicPr>
+        <p:blipFill rotWithShape="1">
+          <a:blip r:embed="rId4">
+            <a:alphaModFix/>
+          </a:blip>
+          <a:srcRect/>
+          <a:stretch/>
+        </p:blipFill>
+        <p:spPr>
+          <a:xfrm>
+            <a:off x="1355283" y="1424939"/>
+            <a:ext cx="6252754" cy="4674454"/>
+          </a:xfrm>
+          <a:prstGeom prst="rect">
+            <a:avLst/>
+          </a:prstGeom>
+          <a:noFill/>
+          <a:ln>
+            <a:noFill/>
+          </a:ln>
+        </p:spPr>
+      </p:pic>
+      <p:pic>
+        <p:nvPicPr>
+          <p:cNvPr id="236" name="Google Shape;236;p24" descr="Tabela&#10;&#10;Descrição gerada automaticamente"/>
+          <p:cNvPicPr preferRelativeResize="0"/>
+          <p:nvPr/>
+        </p:nvPicPr>
+        <p:blipFill rotWithShape="1">
+          <a:blip r:embed="rId5">
+            <a:alphaModFix/>
+          </a:blip>
+          <a:srcRect/>
+          <a:stretch/>
+        </p:blipFill>
+        <p:spPr>
+          <a:xfrm>
+            <a:off x="7608037" y="2676137"/>
+            <a:ext cx="3857132" cy="1505726"/>
+          </a:xfrm>
+          <a:prstGeom prst="rect">
+            <a:avLst/>
+          </a:prstGeom>
+          <a:noFill/>
+          <a:ln>
+            <a:noFill/>
+          </a:ln>
+        </p:spPr>
+      </p:pic>
+      <p:sp>
+        <p:nvSpPr>
+          <p:cNvPr id="2" name="Retângulo 1">
+            <a:extLst>
+              <a:ext uri="{FF2B5EF4-FFF2-40B4-BE49-F238E27FC236}">
+                <a16:creationId xmlns:a16="http://schemas.microsoft.com/office/drawing/2014/main" id="{DD567D57-5AF1-1EEB-2CD9-281FD322EC56}"/>
+              </a:ext>
+            </a:extLst>
+          </p:cNvPr>
+          <p:cNvSpPr/>
+          <p:nvPr/>
+        </p:nvSpPr>
+        <p:spPr>
+          <a:xfrm>
+            <a:off x="7608037" y="3429000"/>
+            <a:ext cx="3857132" cy="457200"/>
+          </a:xfrm>
+          <a:prstGeom prst="rect">
+            <a:avLst/>
+          </a:prstGeom>
+          <a:noFill/>
+          <a:ln w="28575">
             <a:solidFill>
               <a:srgbClr val="FF0000"/>
             </a:solidFill>
@@ -25001,217 +27097,6 @@
       <p:bldP spid="2" grpId="0" animBg="1"/>
     </p:bldLst>
   </p:timing>
-</p:sld>
-</file>
-
-<file path=ppt/slides/slide9.xml><?xml version="1.0" encoding="utf-8"?>
-<p:sld xmlns:a="http://schemas.openxmlformats.org/drawingml/2006/main" xmlns:r="http://schemas.openxmlformats.org/officeDocument/2006/relationships" xmlns:p="http://schemas.openxmlformats.org/presentationml/2006/main">
-  <p:cSld>
-    <p:spTree>
-      <p:nvGrpSpPr>
-        <p:cNvPr id="1" name="Shape 232"/>
-        <p:cNvGrpSpPr/>
-        <p:nvPr/>
-      </p:nvGrpSpPr>
-      <p:grpSpPr>
-        <a:xfrm>
-          <a:off x="0" y="0"/>
-          <a:ext cx="0" cy="0"/>
-          <a:chOff x="0" y="0"/>
-          <a:chExt cx="0" cy="0"/>
-        </a:xfrm>
-      </p:grpSpPr>
-      <p:pic>
-        <p:nvPicPr>
-          <p:cNvPr id="233" name="Google Shape;233;p24" descr="Texto&#10;&#10;Descrição gerada automaticamente"/>
-          <p:cNvPicPr preferRelativeResize="0"/>
-          <p:nvPr/>
-        </p:nvPicPr>
-        <p:blipFill rotWithShape="1">
-          <a:blip r:embed="rId3">
-            <a:alphaModFix/>
-          </a:blip>
-          <a:srcRect/>
-          <a:stretch/>
-        </p:blipFill>
-        <p:spPr>
-          <a:xfrm>
-            <a:off x="-85257" y="88437"/>
-            <a:ext cx="1886626" cy="881224"/>
-          </a:xfrm>
-          <a:prstGeom prst="rect">
-            <a:avLst/>
-          </a:prstGeom>
-          <a:noFill/>
-          <a:ln>
-            <a:noFill/>
-          </a:ln>
-        </p:spPr>
-      </p:pic>
-      <p:sp>
-        <p:nvSpPr>
-          <p:cNvPr id="234" name="Google Shape;234;p24"/>
-          <p:cNvSpPr txBox="1">
-            <a:spLocks noGrp="1"/>
-          </p:cNvSpPr>
-          <p:nvPr>
-            <p:ph type="subTitle" idx="1"/>
-          </p:nvPr>
-        </p:nvSpPr>
-        <p:spPr>
-          <a:xfrm>
-            <a:off x="1158240" y="853075"/>
-            <a:ext cx="9144000" cy="451995"/>
-          </a:xfrm>
-          <a:prstGeom prst="rect">
-            <a:avLst/>
-          </a:prstGeom>
-          <a:noFill/>
-          <a:ln>
-            <a:noFill/>
-          </a:ln>
-        </p:spPr>
-        <p:txBody>
-          <a:bodyPr spcFirstLastPara="1" wrap="square" lIns="91425" tIns="45700" rIns="91425" bIns="45700" anchor="t" anchorCtr="0">
-            <a:normAutofit fontScale="92500" lnSpcReduction="20000"/>
-          </a:bodyPr>
-          <a:lstStyle/>
-          <a:p>
-            <a:pPr marL="0" lvl="0" indent="0" algn="ctr" rtl="0">
-              <a:lnSpc>
-                <a:spcPct val="90000"/>
-              </a:lnSpc>
-              <a:spcBef>
-                <a:spcPts val="0"/>
-              </a:spcBef>
-              <a:spcAft>
-                <a:spcPts val="0"/>
-              </a:spcAft>
-              <a:buClr>
-                <a:schemeClr val="dk1"/>
-              </a:buClr>
-              <a:buSzPct val="100000"/>
-              <a:buNone/>
-            </a:pPr>
-            <a:r>
-              <a:rPr lang="pt-BR" sz="3200" b="1" dirty="0"/>
-              <a:t>Avaliação – modelo treino/teste</a:t>
-            </a:r>
-            <a:endParaRPr dirty="0"/>
-          </a:p>
-        </p:txBody>
-      </p:sp>
-      <p:pic>
-        <p:nvPicPr>
-          <p:cNvPr id="235" name="Google Shape;235;p24" descr="Gráfico, Diagrama&#10;&#10;Descrição gerada automaticamente"/>
-          <p:cNvPicPr preferRelativeResize="0"/>
-          <p:nvPr/>
-        </p:nvPicPr>
-        <p:blipFill rotWithShape="1">
-          <a:blip r:embed="rId4">
-            <a:alphaModFix/>
-          </a:blip>
-          <a:srcRect/>
-          <a:stretch/>
-        </p:blipFill>
-        <p:spPr>
-          <a:xfrm>
-            <a:off x="1355283" y="1424939"/>
-            <a:ext cx="6252754" cy="4674454"/>
-          </a:xfrm>
-          <a:prstGeom prst="rect">
-            <a:avLst/>
-          </a:prstGeom>
-          <a:noFill/>
-          <a:ln>
-            <a:noFill/>
-          </a:ln>
-        </p:spPr>
-      </p:pic>
-      <p:pic>
-        <p:nvPicPr>
-          <p:cNvPr id="236" name="Google Shape;236;p24" descr="Tabela&#10;&#10;Descrição gerada automaticamente"/>
-          <p:cNvPicPr preferRelativeResize="0"/>
-          <p:nvPr/>
-        </p:nvPicPr>
-        <p:blipFill rotWithShape="1">
-          <a:blip r:embed="rId5">
-            <a:alphaModFix/>
-          </a:blip>
-          <a:srcRect/>
-          <a:stretch/>
-        </p:blipFill>
-        <p:spPr>
-          <a:xfrm>
-            <a:off x="7986671" y="2908065"/>
-            <a:ext cx="3000686" cy="1041868"/>
-          </a:xfrm>
-          <a:prstGeom prst="rect">
-            <a:avLst/>
-          </a:prstGeom>
-          <a:noFill/>
-          <a:ln>
-            <a:noFill/>
-          </a:ln>
-        </p:spPr>
-      </p:pic>
-      <p:sp>
-        <p:nvSpPr>
-          <p:cNvPr id="2" name="Retângulo 1">
-            <a:extLst>
-              <a:ext uri="{FF2B5EF4-FFF2-40B4-BE49-F238E27FC236}">
-                <a16:creationId xmlns:a16="http://schemas.microsoft.com/office/drawing/2014/main" id="{8E1B8C64-20CD-89E7-63DF-59460CC28E64}"/>
-              </a:ext>
-            </a:extLst>
-          </p:cNvPr>
-          <p:cNvSpPr/>
-          <p:nvPr/>
-        </p:nvSpPr>
-        <p:spPr>
-          <a:xfrm>
-            <a:off x="7986671" y="3429000"/>
-            <a:ext cx="3000686" cy="283464"/>
-          </a:xfrm>
-          <a:prstGeom prst="rect">
-            <a:avLst/>
-          </a:prstGeom>
-          <a:noFill/>
-          <a:ln>
-            <a:solidFill>
-              <a:srgbClr val="FF0000"/>
-            </a:solidFill>
-          </a:ln>
-        </p:spPr>
-        <p:style>
-          <a:lnRef idx="2">
-            <a:schemeClr val="accent1">
-              <a:shade val="15000"/>
-            </a:schemeClr>
-          </a:lnRef>
-          <a:fillRef idx="1">
-            <a:schemeClr val="accent1"/>
-          </a:fillRef>
-          <a:effectRef idx="0">
-            <a:schemeClr val="accent1"/>
-          </a:effectRef>
-          <a:fontRef idx="minor">
-            <a:schemeClr val="lt1"/>
-          </a:fontRef>
-        </p:style>
-        <p:txBody>
-          <a:bodyPr rtlCol="0" anchor="ctr"/>
-          <a:lstStyle/>
-          <a:p>
-            <a:pPr algn="ctr"/>
-            <a:endParaRPr lang="pt-BR"/>
-          </a:p>
-        </p:txBody>
-      </p:sp>
-    </p:spTree>
-  </p:cSld>
-  <p:clrMapOvr>
-    <a:masterClrMapping/>
-  </p:clrMapOvr>
 </p:sld>
 </file>
 

--- a/Projeto_bootcamp_balanceado.pptx
+++ b/Projeto_bootcamp_balanceado.pptx
@@ -273,7 +273,7 @@
       <p15:sldGuideLst xmlns:p15="http://schemas.microsoft.com/office/powerpoint/2012/main"/>
     </p:ext>
     <p:ext uri="GoogleSlidesCustomDataVersion2">
-      <go:slidesCustomData xmlns:go="http://customooxmlschemas.google.com/" xmlns:ahyp="http://schemas.microsoft.com/office/drawing/2018/hyperlinkcolor" xmlns:p15="http://schemas.microsoft.com/office/powerpoint/2012/main" xmlns:p14="http://schemas.microsoft.com/office/powerpoint/2010/main" xmlns:com="http://schemas.openxmlformats.org/drawingml/2006/compatibility" xmlns:pvml="urn:schemas-microsoft-com:office:powerpoint" xmlns:v="urn:schemas-microsoft-com:vml" xmlns:o="urn:schemas-microsoft-com:office:office" xmlns:dgm="http://schemas.openxmlformats.org/drawingml/2006/diagram" xmlns:c="http://schemas.openxmlformats.org/drawingml/2006/chart" xmlns:mv="urn:schemas-microsoft-com:mac:vml" xmlns:mc="http://schemas.openxmlformats.org/markup-compatibility/2006" xmlns="" r:id="rId23" roundtripDataSignature="AMtx7mgQCrcvZY/PATalDKeL5epgVLfIsA=="/>
+      <go:slidesCustomData xmlns="" xmlns:mc="http://schemas.openxmlformats.org/markup-compatibility/2006" xmlns:mv="urn:schemas-microsoft-com:mac:vml" xmlns:c="http://schemas.openxmlformats.org/drawingml/2006/chart" xmlns:dgm="http://schemas.openxmlformats.org/drawingml/2006/diagram" xmlns:o="urn:schemas-microsoft-com:office:office" xmlns:v="urn:schemas-microsoft-com:vml" xmlns:pvml="urn:schemas-microsoft-com:office:powerpoint" xmlns:com="http://schemas.openxmlformats.org/drawingml/2006/compatibility" xmlns:p14="http://schemas.microsoft.com/office/powerpoint/2010/main" xmlns:p15="http://schemas.microsoft.com/office/powerpoint/2012/main" xmlns:ahyp="http://schemas.microsoft.com/office/drawing/2018/hyperlinkcolor" xmlns:go="http://customooxmlschemas.google.com/" r:id="rId23" roundtripDataSignature="AMtx7mgQCrcvZY/PATalDKeL5epgVLfIsA=="/>
     </p:ext>
   </p:extLst>
 </p:presentation>
@@ -15863,7 +15863,7 @@
         <p:spPr>
           <a:xfrm>
             <a:off x="2505456" y="4510574"/>
-            <a:ext cx="8037600" cy="1477500"/>
+            <a:ext cx="8037600" cy="1600398"/>
           </a:xfrm>
           <a:prstGeom prst="rect">
             <a:avLst/>
@@ -15897,7 +15897,7 @@
               <a:buNone/>
             </a:pPr>
             <a:r>
-              <a:rPr lang="pt-BR" sz="1800" b="0" i="0" u="none" strike="noStrike" cap="none">
+              <a:rPr lang="pt-BR" sz="1800" b="0" i="0" u="none" strike="noStrike" cap="none" dirty="0">
                 <a:solidFill>
                   <a:schemeClr val="dk1"/>
                 </a:solidFill>
@@ -15908,7 +15908,7 @@
               </a:rPr>
               <a:t>Escola Nacional de Administração Pública - Enap </a:t>
             </a:r>
-            <a:endParaRPr sz="1400" b="0" i="0" u="none" strike="noStrike" cap="none">
+            <a:endParaRPr sz="1400" b="0" i="0" u="none" strike="noStrike" cap="none" dirty="0">
               <a:solidFill>
                 <a:srgbClr val="000000"/>
               </a:solidFill>
@@ -15937,26 +15937,21 @@
               <a:buNone/>
             </a:pPr>
             <a:r>
-              <a:rPr lang="pt-BR" sz="1800" b="0" i="0" u="none" strike="noStrike" cap="none">
+              <a:rPr lang="pt-BR" sz="1600" dirty="0" err="1">
                 <a:solidFill>
                   <a:schemeClr val="dk1"/>
                 </a:solidFill>
-                <a:latin typeface="Arial"/>
-                <a:ea typeface="Arial"/>
-                <a:cs typeface="Arial"/>
-                <a:sym typeface="Arial"/>
               </a:rPr>
-              <a:t>Idealização do Projeto: Mariana Resende </a:t>
+              <a:t>Grinaldo</a:t>
             </a:r>
-            <a:endParaRPr sz="1400" b="0" i="0" u="none" strike="noStrike" cap="none">
-              <a:solidFill>
-                <a:srgbClr val="000000"/>
-              </a:solidFill>
-              <a:latin typeface="Arial"/>
-              <a:ea typeface="Arial"/>
-              <a:cs typeface="Arial"/>
-              <a:sym typeface="Arial"/>
-            </a:endParaRPr>
+            <a:r>
+              <a:rPr lang="pt-BR" sz="1600" dirty="0">
+                <a:solidFill>
+                  <a:schemeClr val="dk1"/>
+                </a:solidFill>
+              </a:rPr>
+              <a:t> Oliveira</a:t>
+            </a:r>
           </a:p>
           <a:p>
             <a:pPr marL="0" marR="0" lvl="0" indent="0" algn="r" rtl="0">
@@ -15976,118 +15971,107 @@
               <a:buFont typeface="Arial"/>
               <a:buNone/>
             </a:pPr>
-            <a:endParaRPr sz="1800" b="0" i="0" u="none" strike="noStrike" cap="none">
+            <a:r>
+              <a:rPr lang="pt-BR" sz="1600" dirty="0">
+                <a:solidFill>
+                  <a:schemeClr val="dk1"/>
+                </a:solidFill>
+              </a:rPr>
+              <a:t> Mariana  Resende</a:t>
+            </a:r>
+          </a:p>
+          <a:p>
+            <a:pPr marL="0" marR="0" lvl="0" indent="0" algn="r" rtl="0">
+              <a:lnSpc>
+                <a:spcPct val="100000"/>
+              </a:lnSpc>
+              <a:spcBef>
+                <a:spcPts val="0"/>
+              </a:spcBef>
+              <a:spcAft>
+                <a:spcPts val="0"/>
+              </a:spcAft>
+              <a:buClr>
+                <a:srgbClr val="000000"/>
+              </a:buClr>
+              <a:buSzPts val="1800"/>
+              <a:buFont typeface="Arial"/>
+              <a:buNone/>
+            </a:pPr>
+            <a:r>
+              <a:rPr lang="pt-BR" sz="1600" dirty="0">
+                <a:solidFill>
+                  <a:schemeClr val="dk1"/>
+                </a:solidFill>
+              </a:rPr>
+              <a:t> Michela Feitosa</a:t>
+            </a:r>
+          </a:p>
+          <a:p>
+            <a:pPr marL="0" marR="0" lvl="0" indent="0" algn="r" rtl="0">
+              <a:lnSpc>
+                <a:spcPct val="100000"/>
+              </a:lnSpc>
+              <a:spcBef>
+                <a:spcPts val="0"/>
+              </a:spcBef>
+              <a:spcAft>
+                <a:spcPts val="0"/>
+              </a:spcAft>
+              <a:buClr>
+                <a:srgbClr val="000000"/>
+              </a:buClr>
+              <a:buSzPts val="1800"/>
+              <a:buFont typeface="Arial"/>
+              <a:buNone/>
+            </a:pPr>
+            <a:r>
+              <a:rPr lang="pt-BR" sz="1600" dirty="0">
+                <a:solidFill>
+                  <a:schemeClr val="dk1"/>
+                </a:solidFill>
+              </a:rPr>
+              <a:t>Renata Guanaes</a:t>
+            </a:r>
+          </a:p>
+          <a:p>
+            <a:pPr marL="0" marR="0" lvl="0" indent="0" algn="r" rtl="0">
+              <a:lnSpc>
+                <a:spcPct val="100000"/>
+              </a:lnSpc>
+              <a:spcBef>
+                <a:spcPts val="0"/>
+              </a:spcBef>
+              <a:spcAft>
+                <a:spcPts val="0"/>
+              </a:spcAft>
+              <a:buClr>
+                <a:srgbClr val="000000"/>
+              </a:buClr>
+              <a:buSzPts val="1800"/>
+              <a:buFont typeface="Arial"/>
+              <a:buNone/>
+            </a:pPr>
+            <a:r>
+              <a:rPr lang="pt-BR" sz="1600" dirty="0" err="1">
+                <a:solidFill>
+                  <a:schemeClr val="dk1"/>
+                </a:solidFill>
+              </a:rPr>
+              <a:t>Risla</a:t>
+            </a:r>
+            <a:r>
+              <a:rPr lang="pt-BR" sz="1600" dirty="0">
+                <a:solidFill>
+                  <a:schemeClr val="dk1"/>
+                </a:solidFill>
+              </a:rPr>
+              <a:t> Miranda</a:t>
+            </a:r>
+            <a:endParaRPr sz="1600" dirty="0">
               <a:solidFill>
                 <a:schemeClr val="dk1"/>
               </a:solidFill>
-              <a:latin typeface="Arial"/>
-              <a:ea typeface="Arial"/>
-              <a:cs typeface="Arial"/>
-              <a:sym typeface="Arial"/>
-            </a:endParaRPr>
-          </a:p>
-          <a:p>
-            <a:pPr marL="0" marR="0" lvl="0" indent="0" algn="r" rtl="0">
-              <a:lnSpc>
-                <a:spcPct val="100000"/>
-              </a:lnSpc>
-              <a:spcBef>
-                <a:spcPts val="0"/>
-              </a:spcBef>
-              <a:spcAft>
-                <a:spcPts val="0"/>
-              </a:spcAft>
-              <a:buClr>
-                <a:srgbClr val="000000"/>
-              </a:buClr>
-              <a:buSzPts val="1800"/>
-              <a:buFont typeface="Arial"/>
-              <a:buNone/>
-            </a:pPr>
-            <a:r>
-              <a:rPr lang="pt-BR" sz="1800" b="0" i="0" u="none" strike="noStrike" cap="none">
-                <a:solidFill>
-                  <a:schemeClr val="dk1"/>
-                </a:solidFill>
-                <a:latin typeface="Arial"/>
-                <a:ea typeface="Arial"/>
-                <a:cs typeface="Arial"/>
-                <a:sym typeface="Arial"/>
-              </a:rPr>
-              <a:t>Equipe Executora (ordem alfabética): </a:t>
-            </a:r>
-            <a:endParaRPr sz="1800" b="0" i="0" u="none" strike="noStrike" cap="none">
-              <a:solidFill>
-                <a:schemeClr val="dk1"/>
-              </a:solidFill>
-              <a:latin typeface="Arial"/>
-              <a:ea typeface="Arial"/>
-              <a:cs typeface="Arial"/>
-              <a:sym typeface="Arial"/>
-            </a:endParaRPr>
-          </a:p>
-          <a:p>
-            <a:pPr marL="0" marR="0" lvl="0" indent="0" algn="r" rtl="0">
-              <a:lnSpc>
-                <a:spcPct val="100000"/>
-              </a:lnSpc>
-              <a:spcBef>
-                <a:spcPts val="0"/>
-              </a:spcBef>
-              <a:spcAft>
-                <a:spcPts val="0"/>
-              </a:spcAft>
-              <a:buClr>
-                <a:srgbClr val="000000"/>
-              </a:buClr>
-              <a:buSzPts val="1800"/>
-              <a:buFont typeface="Arial"/>
-              <a:buNone/>
-            </a:pPr>
-            <a:r>
-              <a:rPr lang="pt-BR" sz="1800" b="0" i="0" u="none" strike="noStrike" cap="none">
-                <a:solidFill>
-                  <a:schemeClr val="dk1"/>
-                </a:solidFill>
-                <a:latin typeface="Arial"/>
-                <a:ea typeface="Arial"/>
-                <a:cs typeface="Arial"/>
-                <a:sym typeface="Arial"/>
-              </a:rPr>
-              <a:t>Grinaldo, Mariana, Michela,</a:t>
-            </a:r>
-            <a:r>
-              <a:rPr lang="pt-BR" sz="1400" b="0" i="0" u="none" strike="noStrike" cap="none">
-                <a:solidFill>
-                  <a:srgbClr val="000000"/>
-                </a:solidFill>
-                <a:latin typeface="Arial"/>
-                <a:ea typeface="Arial"/>
-                <a:cs typeface="Arial"/>
-                <a:sym typeface="Arial"/>
-              </a:rPr>
-              <a:t> </a:t>
-            </a:r>
-            <a:r>
-              <a:rPr lang="pt-BR" sz="1800" b="0" i="0" u="none" strike="noStrike" cap="none">
-                <a:solidFill>
-                  <a:schemeClr val="dk1"/>
-                </a:solidFill>
-                <a:latin typeface="Arial"/>
-                <a:ea typeface="Arial"/>
-                <a:cs typeface="Arial"/>
-                <a:sym typeface="Arial"/>
-              </a:rPr>
-              <a:t>Renata, Risla</a:t>
-            </a:r>
-            <a:endParaRPr sz="1800" b="0" i="0" u="none" strike="noStrike" cap="none">
-              <a:solidFill>
-                <a:schemeClr val="dk1"/>
-              </a:solidFill>
-              <a:latin typeface="Arial"/>
-              <a:ea typeface="Arial"/>
-              <a:cs typeface="Arial"/>
-              <a:sym typeface="Arial"/>
             </a:endParaRPr>
           </a:p>
         </p:txBody>
@@ -18809,6 +18793,53 @@
           </a:p>
         </p:txBody>
       </p:sp>
+      <p:sp>
+        <p:nvSpPr>
+          <p:cNvPr id="3" name="Botão de Ação: Avançar ou Próximo 2">
+            <a:hlinkClick r:id="rId2" action="ppaction://hlinksldjump" highlightClick="1"/>
+            <a:extLst>
+              <a:ext uri="{FF2B5EF4-FFF2-40B4-BE49-F238E27FC236}">
+                <a16:creationId xmlns:a16="http://schemas.microsoft.com/office/drawing/2014/main" id="{05140336-A08C-85B3-0BEB-A2A1E61A1EDD}"/>
+              </a:ext>
+            </a:extLst>
+          </p:cNvPr>
+          <p:cNvSpPr/>
+          <p:nvPr/>
+        </p:nvSpPr>
+        <p:spPr>
+          <a:xfrm>
+            <a:off x="5010912" y="5321808"/>
+            <a:ext cx="292608" cy="176212"/>
+          </a:xfrm>
+          <a:prstGeom prst="actionButtonForwardNext">
+            <a:avLst/>
+          </a:prstGeom>
+        </p:spPr>
+        <p:style>
+          <a:lnRef idx="2">
+            <a:schemeClr val="accent1">
+              <a:shade val="15000"/>
+            </a:schemeClr>
+          </a:lnRef>
+          <a:fillRef idx="1">
+            <a:schemeClr val="accent1"/>
+          </a:fillRef>
+          <a:effectRef idx="0">
+            <a:schemeClr val="accent1"/>
+          </a:effectRef>
+          <a:fontRef idx="minor">
+            <a:schemeClr val="lt1"/>
+          </a:fontRef>
+        </p:style>
+        <p:txBody>
+          <a:bodyPr rtlCol="0" anchor="ctr"/>
+          <a:lstStyle/>
+          <a:p>
+            <a:pPr algn="ctr"/>
+            <a:endParaRPr lang="pt-BR"/>
+          </a:p>
+        </p:txBody>
+      </p:sp>
     </p:spTree>
     <p:extLst>
       <p:ext uri="{BB962C8B-B14F-4D97-AF65-F5344CB8AC3E}">
